--- a/COMP1631/Template_Lectures.pptx
+++ b/COMP1631/Template_Lectures.pptx
@@ -8,6 +8,7 @@
     <p:sldId id="258" r:id="rId2"/>
     <p:sldId id="259" r:id="rId3"/>
     <p:sldId id="260" r:id="rId4"/>
+    <p:sldId id="261" r:id="rId5"/>
   </p:sldIdLst>
   <p:sldSz cx="12192000" cy="6858000"/>
   <p:notesSz cx="6858000" cy="9144000"/>
@@ -118,6 +119,7 @@
         <p14:section name="Introductions" id="{6668FE69-FD11-427E-B3EC-8871D3A563F0}">
           <p14:sldIdLst>
             <p14:sldId id="260"/>
+            <p14:sldId id="261"/>
           </p14:sldIdLst>
         </p14:section>
       </p14:sectionLst>
@@ -127,6 +129,2586 @@
     </p:ext>
   </p:extLst>
 </p:presentation>
+</file>
+
+<file path=ppt/diagrams/colors1.xml><?xml version="1.0" encoding="utf-8"?>
+<dgm:colorsDef xmlns:dgm="http://schemas.openxmlformats.org/drawingml/2006/diagram" xmlns:a="http://schemas.openxmlformats.org/drawingml/2006/main" uniqueId="urn:microsoft.com/office/officeart/2018/5/colors/Iconchunking_neutralbg_accent4_2">
+  <dgm:title val=""/>
+  <dgm:desc val=""/>
+  <dgm:catLst>
+    <dgm:cat type="accent4" pri="14200"/>
+  </dgm:catLst>
+  <dgm:styleLbl name="node0">
+    <dgm:fillClrLst meth="repeat">
+      <a:schemeClr val="accent4"/>
+    </dgm:fillClrLst>
+    <dgm:linClrLst meth="repeat">
+      <a:schemeClr val="lt1"/>
+    </dgm:linClrLst>
+    <dgm:effectClrLst/>
+    <dgm:txLinClrLst/>
+    <dgm:txFillClrLst/>
+    <dgm:txEffectClrLst/>
+  </dgm:styleLbl>
+  <dgm:styleLbl name="node1">
+    <dgm:fillClrLst meth="repeat">
+      <a:schemeClr val="accent4"/>
+    </dgm:fillClrLst>
+    <dgm:linClrLst meth="repeat">
+      <a:schemeClr val="lt1">
+        <a:alpha val="0"/>
+      </a:schemeClr>
+    </dgm:linClrLst>
+    <dgm:effectClrLst/>
+    <dgm:txLinClrLst/>
+    <dgm:txFillClrLst/>
+    <dgm:txEffectClrLst/>
+  </dgm:styleLbl>
+  <dgm:styleLbl name="alignNode1">
+    <dgm:fillClrLst meth="repeat">
+      <a:schemeClr val="accent4"/>
+    </dgm:fillClrLst>
+    <dgm:linClrLst meth="repeat">
+      <a:schemeClr val="accent4"/>
+    </dgm:linClrLst>
+    <dgm:effectClrLst/>
+    <dgm:txLinClrLst/>
+    <dgm:txFillClrLst/>
+    <dgm:txEffectClrLst/>
+  </dgm:styleLbl>
+  <dgm:styleLbl name="lnNode1">
+    <dgm:fillClrLst meth="repeat">
+      <a:schemeClr val="accent4"/>
+    </dgm:fillClrLst>
+    <dgm:linClrLst meth="repeat">
+      <a:schemeClr val="lt1"/>
+    </dgm:linClrLst>
+    <dgm:effectClrLst/>
+    <dgm:txLinClrLst/>
+    <dgm:txFillClrLst/>
+    <dgm:txEffectClrLst/>
+  </dgm:styleLbl>
+  <dgm:styleLbl name="vennNode1">
+    <dgm:fillClrLst meth="repeat">
+      <a:schemeClr val="accent4">
+        <a:alpha val="50000"/>
+      </a:schemeClr>
+    </dgm:fillClrLst>
+    <dgm:linClrLst meth="repeat">
+      <a:schemeClr val="lt1"/>
+    </dgm:linClrLst>
+    <dgm:effectClrLst/>
+    <dgm:txLinClrLst/>
+    <dgm:txFillClrLst/>
+    <dgm:txEffectClrLst/>
+  </dgm:styleLbl>
+  <dgm:styleLbl name="node2">
+    <dgm:fillClrLst meth="repeat">
+      <a:schemeClr val="accent4"/>
+    </dgm:fillClrLst>
+    <dgm:linClrLst meth="repeat">
+      <a:schemeClr val="lt1"/>
+    </dgm:linClrLst>
+    <dgm:effectClrLst/>
+    <dgm:txLinClrLst/>
+    <dgm:txFillClrLst/>
+    <dgm:txEffectClrLst/>
+  </dgm:styleLbl>
+  <dgm:styleLbl name="node3">
+    <dgm:fillClrLst meth="repeat">
+      <a:schemeClr val="accent4"/>
+    </dgm:fillClrLst>
+    <dgm:linClrLst meth="repeat">
+      <a:schemeClr val="lt1"/>
+    </dgm:linClrLst>
+    <dgm:effectClrLst/>
+    <dgm:txLinClrLst/>
+    <dgm:txFillClrLst/>
+    <dgm:txEffectClrLst/>
+  </dgm:styleLbl>
+  <dgm:styleLbl name="node4">
+    <dgm:fillClrLst meth="repeat">
+      <a:schemeClr val="accent4"/>
+    </dgm:fillClrLst>
+    <dgm:linClrLst meth="repeat">
+      <a:schemeClr val="lt1"/>
+    </dgm:linClrLst>
+    <dgm:effectClrLst/>
+    <dgm:txLinClrLst/>
+    <dgm:txFillClrLst/>
+    <dgm:txEffectClrLst/>
+  </dgm:styleLbl>
+  <dgm:styleLbl name="fgImgPlace1">
+    <dgm:fillClrLst meth="repeat">
+      <a:schemeClr val="accent4">
+        <a:tint val="50000"/>
+      </a:schemeClr>
+    </dgm:fillClrLst>
+    <dgm:linClrLst meth="repeat">
+      <a:schemeClr val="lt1"/>
+    </dgm:linClrLst>
+    <dgm:effectClrLst/>
+    <dgm:txLinClrLst/>
+    <dgm:txFillClrLst meth="repeat">
+      <a:schemeClr val="lt1"/>
+    </dgm:txFillClrLst>
+    <dgm:txEffectClrLst/>
+  </dgm:styleLbl>
+  <dgm:styleLbl name="alignImgPlace1">
+    <dgm:fillClrLst meth="repeat">
+      <a:schemeClr val="accent4">
+        <a:tint val="50000"/>
+      </a:schemeClr>
+    </dgm:fillClrLst>
+    <dgm:linClrLst meth="repeat">
+      <a:schemeClr val="lt1"/>
+    </dgm:linClrLst>
+    <dgm:effectClrLst/>
+    <dgm:txLinClrLst/>
+    <dgm:txFillClrLst meth="repeat">
+      <a:schemeClr val="lt1"/>
+    </dgm:txFillClrLst>
+    <dgm:txEffectClrLst/>
+  </dgm:styleLbl>
+  <dgm:styleLbl name="bgImgPlace1">
+    <dgm:fillClrLst meth="repeat">
+      <a:schemeClr val="accent4">
+        <a:tint val="50000"/>
+      </a:schemeClr>
+    </dgm:fillClrLst>
+    <dgm:linClrLst meth="repeat">
+      <a:schemeClr val="lt1"/>
+    </dgm:linClrLst>
+    <dgm:effectClrLst/>
+    <dgm:txLinClrLst/>
+    <dgm:txFillClrLst meth="repeat">
+      <a:schemeClr val="lt1"/>
+    </dgm:txFillClrLst>
+    <dgm:txEffectClrLst/>
+  </dgm:styleLbl>
+  <dgm:styleLbl name="sibTrans2D1">
+    <dgm:fillClrLst meth="repeat">
+      <a:schemeClr val="accent4">
+        <a:tint val="60000"/>
+      </a:schemeClr>
+    </dgm:fillClrLst>
+    <dgm:linClrLst meth="repeat">
+      <a:schemeClr val="accent4">
+        <a:tint val="60000"/>
+      </a:schemeClr>
+    </dgm:linClrLst>
+    <dgm:effectClrLst/>
+    <dgm:txLinClrLst/>
+    <dgm:txFillClrLst/>
+    <dgm:txEffectClrLst/>
+  </dgm:styleLbl>
+  <dgm:styleLbl name="fgSibTrans2D1">
+    <dgm:fillClrLst meth="repeat">
+      <a:schemeClr val="accent4">
+        <a:tint val="60000"/>
+      </a:schemeClr>
+    </dgm:fillClrLst>
+    <dgm:linClrLst meth="repeat">
+      <a:schemeClr val="accent4">
+        <a:tint val="60000"/>
+      </a:schemeClr>
+    </dgm:linClrLst>
+    <dgm:effectClrLst/>
+    <dgm:txLinClrLst/>
+    <dgm:txFillClrLst/>
+    <dgm:txEffectClrLst/>
+  </dgm:styleLbl>
+  <dgm:styleLbl name="bgSibTrans2D1">
+    <dgm:fillClrLst meth="repeat">
+      <a:schemeClr val="accent4">
+        <a:tint val="60000"/>
+      </a:schemeClr>
+    </dgm:fillClrLst>
+    <dgm:linClrLst meth="repeat">
+      <a:schemeClr val="accent4">
+        <a:tint val="60000"/>
+      </a:schemeClr>
+    </dgm:linClrLst>
+    <dgm:effectClrLst/>
+    <dgm:txLinClrLst/>
+    <dgm:txFillClrLst/>
+    <dgm:txEffectClrLst/>
+  </dgm:styleLbl>
+  <dgm:styleLbl name="sibTrans1D1">
+    <dgm:fillClrLst meth="repeat">
+      <a:schemeClr val="accent4"/>
+    </dgm:fillClrLst>
+    <dgm:linClrLst meth="repeat">
+      <a:schemeClr val="accent4"/>
+    </dgm:linClrLst>
+    <dgm:effectClrLst/>
+    <dgm:txLinClrLst/>
+    <dgm:txFillClrLst meth="repeat">
+      <a:schemeClr val="tx1"/>
+    </dgm:txFillClrLst>
+    <dgm:txEffectClrLst/>
+  </dgm:styleLbl>
+  <dgm:styleLbl name="callout">
+    <dgm:fillClrLst meth="repeat">
+      <a:schemeClr val="accent4"/>
+    </dgm:fillClrLst>
+    <dgm:linClrLst meth="repeat">
+      <a:schemeClr val="accent4">
+        <a:tint val="50000"/>
+      </a:schemeClr>
+    </dgm:linClrLst>
+    <dgm:effectClrLst/>
+    <dgm:txLinClrLst/>
+    <dgm:txFillClrLst meth="repeat">
+      <a:schemeClr val="tx1"/>
+    </dgm:txFillClrLst>
+    <dgm:txEffectClrLst/>
+  </dgm:styleLbl>
+  <dgm:styleLbl name="asst0">
+    <dgm:fillClrLst meth="repeat">
+      <a:schemeClr val="accent4"/>
+    </dgm:fillClrLst>
+    <dgm:linClrLst meth="repeat">
+      <a:schemeClr val="lt1"/>
+    </dgm:linClrLst>
+    <dgm:effectClrLst/>
+    <dgm:txLinClrLst/>
+    <dgm:txFillClrLst/>
+    <dgm:txEffectClrLst/>
+  </dgm:styleLbl>
+  <dgm:styleLbl name="asst1">
+    <dgm:fillClrLst meth="repeat">
+      <a:schemeClr val="accent4"/>
+    </dgm:fillClrLst>
+    <dgm:linClrLst meth="repeat">
+      <a:schemeClr val="lt1"/>
+    </dgm:linClrLst>
+    <dgm:effectClrLst/>
+    <dgm:txLinClrLst/>
+    <dgm:txFillClrLst/>
+    <dgm:txEffectClrLst/>
+  </dgm:styleLbl>
+  <dgm:styleLbl name="asst2">
+    <dgm:fillClrLst meth="repeat">
+      <a:schemeClr val="accent4"/>
+    </dgm:fillClrLst>
+    <dgm:linClrLst meth="repeat">
+      <a:schemeClr val="lt1"/>
+    </dgm:linClrLst>
+    <dgm:effectClrLst/>
+    <dgm:txLinClrLst/>
+    <dgm:txFillClrLst/>
+    <dgm:txEffectClrLst/>
+  </dgm:styleLbl>
+  <dgm:styleLbl name="asst3">
+    <dgm:fillClrLst meth="repeat">
+      <a:schemeClr val="accent4"/>
+    </dgm:fillClrLst>
+    <dgm:linClrLst meth="repeat">
+      <a:schemeClr val="lt1"/>
+    </dgm:linClrLst>
+    <dgm:effectClrLst/>
+    <dgm:txLinClrLst/>
+    <dgm:txFillClrLst/>
+    <dgm:txEffectClrLst/>
+  </dgm:styleLbl>
+  <dgm:styleLbl name="asst4">
+    <dgm:fillClrLst meth="repeat">
+      <a:schemeClr val="accent4"/>
+    </dgm:fillClrLst>
+    <dgm:linClrLst meth="repeat">
+      <a:schemeClr val="lt1"/>
+    </dgm:linClrLst>
+    <dgm:effectClrLst/>
+    <dgm:txLinClrLst/>
+    <dgm:txFillClrLst/>
+    <dgm:txEffectClrLst/>
+  </dgm:styleLbl>
+  <dgm:styleLbl name="parChTrans2D1">
+    <dgm:fillClrLst meth="repeat">
+      <a:schemeClr val="accent4">
+        <a:tint val="60000"/>
+      </a:schemeClr>
+    </dgm:fillClrLst>
+    <dgm:linClrLst meth="repeat">
+      <a:schemeClr val="accent4">
+        <a:tint val="60000"/>
+      </a:schemeClr>
+    </dgm:linClrLst>
+    <dgm:effectClrLst/>
+    <dgm:txLinClrLst/>
+    <dgm:txFillClrLst meth="repeat">
+      <a:schemeClr val="lt1"/>
+    </dgm:txFillClrLst>
+    <dgm:txEffectClrLst/>
+  </dgm:styleLbl>
+  <dgm:styleLbl name="parChTrans2D2">
+    <dgm:fillClrLst meth="repeat">
+      <a:schemeClr val="accent4"/>
+    </dgm:fillClrLst>
+    <dgm:linClrLst meth="repeat">
+      <a:schemeClr val="accent4"/>
+    </dgm:linClrLst>
+    <dgm:effectClrLst/>
+    <dgm:txLinClrLst/>
+    <dgm:txFillClrLst meth="repeat">
+      <a:schemeClr val="lt1"/>
+    </dgm:txFillClrLst>
+    <dgm:txEffectClrLst/>
+  </dgm:styleLbl>
+  <dgm:styleLbl name="parChTrans2D3">
+    <dgm:fillClrLst meth="repeat">
+      <a:schemeClr val="accent4"/>
+    </dgm:fillClrLst>
+    <dgm:linClrLst meth="repeat">
+      <a:schemeClr val="accent4"/>
+    </dgm:linClrLst>
+    <dgm:effectClrLst/>
+    <dgm:txLinClrLst/>
+    <dgm:txFillClrLst meth="repeat">
+      <a:schemeClr val="lt1"/>
+    </dgm:txFillClrLst>
+    <dgm:txEffectClrLst/>
+  </dgm:styleLbl>
+  <dgm:styleLbl name="parChTrans2D4">
+    <dgm:fillClrLst meth="repeat">
+      <a:schemeClr val="accent4"/>
+    </dgm:fillClrLst>
+    <dgm:linClrLst meth="repeat">
+      <a:schemeClr val="accent4"/>
+    </dgm:linClrLst>
+    <dgm:effectClrLst/>
+    <dgm:txLinClrLst/>
+    <dgm:txFillClrLst meth="repeat">
+      <a:schemeClr val="lt1"/>
+    </dgm:txFillClrLst>
+    <dgm:txEffectClrLst/>
+  </dgm:styleLbl>
+  <dgm:styleLbl name="parChTrans1D1">
+    <dgm:fillClrLst meth="repeat">
+      <a:schemeClr val="accent4"/>
+    </dgm:fillClrLst>
+    <dgm:linClrLst meth="repeat">
+      <a:schemeClr val="accent4">
+        <a:shade val="60000"/>
+      </a:schemeClr>
+    </dgm:linClrLst>
+    <dgm:effectClrLst/>
+    <dgm:txLinClrLst/>
+    <dgm:txFillClrLst meth="repeat">
+      <a:schemeClr val="tx1"/>
+    </dgm:txFillClrLst>
+    <dgm:txEffectClrLst/>
+  </dgm:styleLbl>
+  <dgm:styleLbl name="parChTrans1D2">
+    <dgm:fillClrLst meth="repeat">
+      <a:schemeClr val="accent4"/>
+    </dgm:fillClrLst>
+    <dgm:linClrLst meth="repeat">
+      <a:schemeClr val="accent4">
+        <a:shade val="60000"/>
+      </a:schemeClr>
+    </dgm:linClrLst>
+    <dgm:effectClrLst/>
+    <dgm:txLinClrLst/>
+    <dgm:txFillClrLst meth="repeat">
+      <a:schemeClr val="tx1"/>
+    </dgm:txFillClrLst>
+    <dgm:txEffectClrLst/>
+  </dgm:styleLbl>
+  <dgm:styleLbl name="parChTrans1D3">
+    <dgm:fillClrLst meth="repeat">
+      <a:schemeClr val="accent4"/>
+    </dgm:fillClrLst>
+    <dgm:linClrLst meth="repeat">
+      <a:schemeClr val="accent4">
+        <a:shade val="80000"/>
+      </a:schemeClr>
+    </dgm:linClrLst>
+    <dgm:effectClrLst/>
+    <dgm:txLinClrLst/>
+    <dgm:txFillClrLst meth="repeat">
+      <a:schemeClr val="tx1"/>
+    </dgm:txFillClrLst>
+    <dgm:txEffectClrLst/>
+  </dgm:styleLbl>
+  <dgm:styleLbl name="parChTrans1D4">
+    <dgm:fillClrLst meth="repeat">
+      <a:schemeClr val="accent4"/>
+    </dgm:fillClrLst>
+    <dgm:linClrLst meth="repeat">
+      <a:schemeClr val="accent4">
+        <a:shade val="80000"/>
+      </a:schemeClr>
+    </dgm:linClrLst>
+    <dgm:effectClrLst/>
+    <dgm:txLinClrLst/>
+    <dgm:txFillClrLst meth="repeat">
+      <a:schemeClr val="tx1"/>
+    </dgm:txFillClrLst>
+    <dgm:txEffectClrLst/>
+  </dgm:styleLbl>
+  <dgm:styleLbl name="fgAcc1">
+    <dgm:fillClrLst meth="repeat">
+      <a:schemeClr val="lt1">
+        <a:alpha val="90000"/>
+      </a:schemeClr>
+    </dgm:fillClrLst>
+    <dgm:linClrLst meth="repeat">
+      <a:schemeClr val="accent4"/>
+    </dgm:linClrLst>
+    <dgm:effectClrLst/>
+    <dgm:txLinClrLst/>
+    <dgm:txFillClrLst meth="repeat">
+      <a:schemeClr val="dk1"/>
+    </dgm:txFillClrLst>
+    <dgm:txEffectClrLst/>
+  </dgm:styleLbl>
+  <dgm:styleLbl name="conFgAcc1">
+    <dgm:fillClrLst meth="repeat">
+      <a:schemeClr val="lt1">
+        <a:alpha val="90000"/>
+      </a:schemeClr>
+    </dgm:fillClrLst>
+    <dgm:linClrLst meth="repeat">
+      <a:schemeClr val="accent4"/>
+    </dgm:linClrLst>
+    <dgm:effectClrLst/>
+    <dgm:txLinClrLst/>
+    <dgm:txFillClrLst meth="repeat">
+      <a:schemeClr val="dk1"/>
+    </dgm:txFillClrLst>
+    <dgm:txEffectClrLst/>
+  </dgm:styleLbl>
+  <dgm:styleLbl name="alignAcc1">
+    <dgm:fillClrLst meth="repeat">
+      <a:schemeClr val="lt1">
+        <a:alpha val="90000"/>
+      </a:schemeClr>
+    </dgm:fillClrLst>
+    <dgm:linClrLst meth="repeat">
+      <a:schemeClr val="accent4"/>
+    </dgm:linClrLst>
+    <dgm:effectClrLst/>
+    <dgm:txLinClrLst/>
+    <dgm:txFillClrLst meth="repeat">
+      <a:schemeClr val="dk1"/>
+    </dgm:txFillClrLst>
+    <dgm:txEffectClrLst/>
+  </dgm:styleLbl>
+  <dgm:styleLbl name="trAlignAcc1">
+    <dgm:fillClrLst meth="repeat">
+      <a:schemeClr val="lt1">
+        <a:alpha val="40000"/>
+      </a:schemeClr>
+    </dgm:fillClrLst>
+    <dgm:linClrLst meth="repeat">
+      <a:schemeClr val="accent4"/>
+    </dgm:linClrLst>
+    <dgm:effectClrLst/>
+    <dgm:txLinClrLst/>
+    <dgm:txFillClrLst meth="repeat">
+      <a:schemeClr val="dk1"/>
+    </dgm:txFillClrLst>
+    <dgm:txEffectClrLst/>
+  </dgm:styleLbl>
+  <dgm:styleLbl name="bgAcc1">
+    <dgm:fillClrLst meth="repeat">
+      <a:schemeClr val="lt1">
+        <a:alpha val="90000"/>
+      </a:schemeClr>
+    </dgm:fillClrLst>
+    <dgm:linClrLst meth="repeat">
+      <a:schemeClr val="accent4"/>
+    </dgm:linClrLst>
+    <dgm:effectClrLst/>
+    <dgm:txLinClrLst/>
+    <dgm:txFillClrLst meth="repeat">
+      <a:schemeClr val="dk1"/>
+    </dgm:txFillClrLst>
+    <dgm:txEffectClrLst/>
+  </dgm:styleLbl>
+  <dgm:styleLbl name="solidFgAcc1">
+    <dgm:fillClrLst meth="repeat">
+      <a:schemeClr val="lt1"/>
+    </dgm:fillClrLst>
+    <dgm:linClrLst meth="repeat">
+      <a:schemeClr val="accent4"/>
+    </dgm:linClrLst>
+    <dgm:effectClrLst/>
+    <dgm:txLinClrLst/>
+    <dgm:txFillClrLst meth="repeat">
+      <a:schemeClr val="dk1"/>
+    </dgm:txFillClrLst>
+    <dgm:txEffectClrLst/>
+  </dgm:styleLbl>
+  <dgm:styleLbl name="solidAlignAcc1">
+    <dgm:fillClrLst meth="repeat">
+      <a:schemeClr val="lt1"/>
+    </dgm:fillClrLst>
+    <dgm:linClrLst meth="repeat">
+      <a:schemeClr val="accent4"/>
+    </dgm:linClrLst>
+    <dgm:effectClrLst/>
+    <dgm:txLinClrLst/>
+    <dgm:txFillClrLst meth="repeat">
+      <a:schemeClr val="dk1"/>
+    </dgm:txFillClrLst>
+    <dgm:txEffectClrLst/>
+  </dgm:styleLbl>
+  <dgm:styleLbl name="solidBgAcc1">
+    <dgm:fillClrLst meth="repeat">
+      <a:schemeClr val="lt1"/>
+    </dgm:fillClrLst>
+    <dgm:linClrLst meth="repeat">
+      <a:schemeClr val="accent4"/>
+    </dgm:linClrLst>
+    <dgm:effectClrLst/>
+    <dgm:txLinClrLst/>
+    <dgm:txFillClrLst meth="repeat">
+      <a:schemeClr val="dk1"/>
+    </dgm:txFillClrLst>
+    <dgm:txEffectClrLst/>
+  </dgm:styleLbl>
+  <dgm:styleLbl name="fgAccFollowNode1">
+    <dgm:fillClrLst meth="repeat">
+      <a:schemeClr val="accent4">
+        <a:alpha val="90000"/>
+        <a:tint val="40000"/>
+      </a:schemeClr>
+    </dgm:fillClrLst>
+    <dgm:linClrLst meth="repeat">
+      <a:schemeClr val="accent4">
+        <a:alpha val="90000"/>
+        <a:tint val="40000"/>
+      </a:schemeClr>
+    </dgm:linClrLst>
+    <dgm:effectClrLst/>
+    <dgm:txLinClrLst/>
+    <dgm:txFillClrLst meth="repeat">
+      <a:schemeClr val="dk1"/>
+    </dgm:txFillClrLst>
+    <dgm:txEffectClrLst/>
+  </dgm:styleLbl>
+  <dgm:styleLbl name="alignAccFollowNode1">
+    <dgm:fillClrLst meth="repeat">
+      <a:schemeClr val="accent4">
+        <a:alpha val="90000"/>
+        <a:tint val="40000"/>
+      </a:schemeClr>
+    </dgm:fillClrLst>
+    <dgm:linClrLst meth="repeat">
+      <a:schemeClr val="accent4">
+        <a:alpha val="90000"/>
+        <a:tint val="40000"/>
+      </a:schemeClr>
+    </dgm:linClrLst>
+    <dgm:effectClrLst/>
+    <dgm:txLinClrLst/>
+    <dgm:txFillClrLst meth="repeat">
+      <a:schemeClr val="dk1"/>
+    </dgm:txFillClrLst>
+    <dgm:txEffectClrLst/>
+  </dgm:styleLbl>
+  <dgm:styleLbl name="bgAccFollowNode1">
+    <dgm:fillClrLst meth="repeat">
+      <a:schemeClr val="accent4">
+        <a:alpha val="90000"/>
+        <a:tint val="40000"/>
+      </a:schemeClr>
+    </dgm:fillClrLst>
+    <dgm:linClrLst meth="repeat">
+      <a:schemeClr val="accent4">
+        <a:alpha val="90000"/>
+        <a:tint val="40000"/>
+      </a:schemeClr>
+    </dgm:linClrLst>
+    <dgm:effectClrLst/>
+    <dgm:txLinClrLst/>
+    <dgm:txFillClrLst meth="repeat">
+      <a:schemeClr val="dk1"/>
+    </dgm:txFillClrLst>
+    <dgm:txEffectClrLst/>
+  </dgm:styleLbl>
+  <dgm:styleLbl name="fgAcc0">
+    <dgm:fillClrLst meth="repeat">
+      <a:schemeClr val="lt1">
+        <a:alpha val="90000"/>
+      </a:schemeClr>
+    </dgm:fillClrLst>
+    <dgm:linClrLst meth="repeat">
+      <a:schemeClr val="accent4"/>
+    </dgm:linClrLst>
+    <dgm:effectClrLst/>
+    <dgm:txLinClrLst/>
+    <dgm:txFillClrLst meth="repeat">
+      <a:schemeClr val="dk1"/>
+    </dgm:txFillClrLst>
+    <dgm:txEffectClrLst/>
+  </dgm:styleLbl>
+  <dgm:styleLbl name="fgAcc2">
+    <dgm:fillClrLst meth="repeat">
+      <a:schemeClr val="lt1">
+        <a:alpha val="90000"/>
+      </a:schemeClr>
+    </dgm:fillClrLst>
+    <dgm:linClrLst meth="repeat">
+      <a:schemeClr val="accent4"/>
+    </dgm:linClrLst>
+    <dgm:effectClrLst/>
+    <dgm:txLinClrLst/>
+    <dgm:txFillClrLst meth="repeat">
+      <a:schemeClr val="dk1"/>
+    </dgm:txFillClrLst>
+    <dgm:txEffectClrLst/>
+  </dgm:styleLbl>
+  <dgm:styleLbl name="fgAcc3">
+    <dgm:fillClrLst meth="repeat">
+      <a:schemeClr val="lt1">
+        <a:alpha val="90000"/>
+      </a:schemeClr>
+    </dgm:fillClrLst>
+    <dgm:linClrLst meth="repeat">
+      <a:schemeClr val="accent4"/>
+    </dgm:linClrLst>
+    <dgm:effectClrLst/>
+    <dgm:txLinClrLst/>
+    <dgm:txFillClrLst meth="repeat">
+      <a:schemeClr val="dk1"/>
+    </dgm:txFillClrLst>
+    <dgm:txEffectClrLst/>
+  </dgm:styleLbl>
+  <dgm:styleLbl name="fgAcc4">
+    <dgm:fillClrLst meth="repeat">
+      <a:schemeClr val="lt1">
+        <a:alpha val="90000"/>
+      </a:schemeClr>
+    </dgm:fillClrLst>
+    <dgm:linClrLst meth="repeat">
+      <a:schemeClr val="accent4"/>
+    </dgm:linClrLst>
+    <dgm:effectClrLst/>
+    <dgm:txLinClrLst/>
+    <dgm:txFillClrLst meth="repeat">
+      <a:schemeClr val="dk1"/>
+    </dgm:txFillClrLst>
+    <dgm:txEffectClrLst/>
+  </dgm:styleLbl>
+  <dgm:styleLbl name="bgShp">
+    <dgm:fillClrLst meth="repeat">
+      <a:schemeClr val="bg1">
+        <a:lumMod val="95000"/>
+      </a:schemeClr>
+    </dgm:fillClrLst>
+    <dgm:linClrLst meth="repeat">
+      <a:schemeClr val="accent4"/>
+    </dgm:linClrLst>
+    <dgm:effectClrLst/>
+    <dgm:txLinClrLst/>
+    <dgm:txFillClrLst meth="repeat">
+      <a:schemeClr val="dk1"/>
+    </dgm:txFillClrLst>
+    <dgm:txEffectClrLst/>
+  </dgm:styleLbl>
+  <dgm:styleLbl name="dkBgShp">
+    <dgm:fillClrLst meth="repeat">
+      <a:schemeClr val="accent4">
+        <a:shade val="80000"/>
+      </a:schemeClr>
+    </dgm:fillClrLst>
+    <dgm:linClrLst meth="repeat">
+      <a:schemeClr val="accent4"/>
+    </dgm:linClrLst>
+    <dgm:effectClrLst/>
+    <dgm:txLinClrLst/>
+    <dgm:txFillClrLst meth="repeat">
+      <a:schemeClr val="lt1"/>
+    </dgm:txFillClrLst>
+    <dgm:txEffectClrLst/>
+  </dgm:styleLbl>
+  <dgm:styleLbl name="trBgShp">
+    <dgm:fillClrLst meth="repeat">
+      <a:schemeClr val="accent4">
+        <a:tint val="50000"/>
+        <a:alpha val="40000"/>
+      </a:schemeClr>
+    </dgm:fillClrLst>
+    <dgm:linClrLst meth="repeat">
+      <a:schemeClr val="accent4"/>
+    </dgm:linClrLst>
+    <dgm:effectClrLst/>
+    <dgm:txLinClrLst/>
+    <dgm:txFillClrLst meth="repeat">
+      <a:schemeClr val="lt1"/>
+    </dgm:txFillClrLst>
+    <dgm:txEffectClrLst/>
+  </dgm:styleLbl>
+  <dgm:styleLbl name="fgShp">
+    <dgm:fillClrLst meth="repeat">
+      <a:schemeClr val="accent4">
+        <a:tint val="60000"/>
+      </a:schemeClr>
+    </dgm:fillClrLst>
+    <dgm:linClrLst meth="repeat">
+      <a:schemeClr val="lt1"/>
+    </dgm:linClrLst>
+    <dgm:effectClrLst/>
+    <dgm:txLinClrLst/>
+    <dgm:txFillClrLst meth="repeat">
+      <a:schemeClr val="dk1"/>
+    </dgm:txFillClrLst>
+    <dgm:txEffectClrLst/>
+  </dgm:styleLbl>
+  <dgm:styleLbl name="revTx">
+    <dgm:fillClrLst meth="repeat">
+      <a:schemeClr val="lt1">
+        <a:alpha val="0"/>
+      </a:schemeClr>
+    </dgm:fillClrLst>
+    <dgm:linClrLst meth="repeat">
+      <a:schemeClr val="dk1">
+        <a:alpha val="0"/>
+      </a:schemeClr>
+    </dgm:linClrLst>
+    <dgm:effectClrLst/>
+    <dgm:txLinClrLst/>
+    <dgm:txFillClrLst meth="repeat">
+      <a:schemeClr val="tx1"/>
+    </dgm:txFillClrLst>
+    <dgm:txEffectClrLst/>
+  </dgm:styleLbl>
+</dgm:colorsDef>
+</file>
+
+<file path=ppt/diagrams/data1.xml><?xml version="1.0" encoding="utf-8"?>
+<dgm:dataModel xmlns:dgm="http://schemas.openxmlformats.org/drawingml/2006/diagram" xmlns:a="http://schemas.openxmlformats.org/drawingml/2006/main">
+  <dgm:ptLst>
+    <dgm:pt modelId="{A6FDD296-DE26-455E-A556-6DFD68F9FEDA}" type="doc">
+      <dgm:prSet loTypeId="urn:microsoft.com/office/officeart/2018/5/layout/IconLeafLabelList" loCatId="icon" qsTypeId="urn:microsoft.com/office/officeart/2005/8/quickstyle/simple1" qsCatId="simple" csTypeId="urn:microsoft.com/office/officeart/2018/5/colors/Iconchunking_neutralbg_accent4_2" csCatId="accent4" phldr="1"/>
+      <dgm:spPr/>
+      <dgm:t>
+        <a:bodyPr/>
+        <a:lstStyle/>
+        <a:p>
+          <a:endParaRPr lang="en-US"/>
+        </a:p>
+      </dgm:t>
+    </dgm:pt>
+    <dgm:pt modelId="{21A1E33A-C4FA-438F-AF95-348F4D4C95DB}">
+      <dgm:prSet/>
+      <dgm:spPr/>
+      <dgm:t>
+        <a:bodyPr/>
+        <a:lstStyle/>
+        <a:p>
+          <a:pPr>
+            <a:defRPr cap="all"/>
+          </a:pPr>
+          <a:r>
+            <a:rPr lang="en-CA"/>
+            <a:t>Let’s go for a break!</a:t>
+          </a:r>
+          <a:endParaRPr lang="en-US"/>
+        </a:p>
+      </dgm:t>
+    </dgm:pt>
+    <dgm:pt modelId="{5EAE27CF-51C6-41B6-B6B1-E0FDA7C37DA4}" type="parTrans" cxnId="{02AC5ED4-492E-46FA-9D58-0411328FAA91}">
+      <dgm:prSet/>
+      <dgm:spPr/>
+      <dgm:t>
+        <a:bodyPr/>
+        <a:lstStyle/>
+        <a:p>
+          <a:endParaRPr lang="en-US"/>
+        </a:p>
+      </dgm:t>
+    </dgm:pt>
+    <dgm:pt modelId="{E6F4935F-0D5B-4571-BC35-6C69D669214B}" type="sibTrans" cxnId="{02AC5ED4-492E-46FA-9D58-0411328FAA91}">
+      <dgm:prSet/>
+      <dgm:spPr/>
+      <dgm:t>
+        <a:bodyPr/>
+        <a:lstStyle/>
+        <a:p>
+          <a:endParaRPr lang="en-US"/>
+        </a:p>
+      </dgm:t>
+    </dgm:pt>
+    <dgm:pt modelId="{397F532C-9350-40F5-B909-B05B44EEFA23}">
+      <dgm:prSet/>
+      <dgm:spPr/>
+      <dgm:t>
+        <a:bodyPr/>
+        <a:lstStyle/>
+        <a:p>
+          <a:pPr>
+            <a:defRPr cap="all"/>
+          </a:pPr>
+          <a:r>
+            <a:rPr lang="en-CA"/>
+            <a:t>Return in 15 minutes (or at time specified by your instructor).</a:t>
+          </a:r>
+          <a:endParaRPr lang="en-US"/>
+        </a:p>
+      </dgm:t>
+    </dgm:pt>
+    <dgm:pt modelId="{1002C2B4-2941-4600-AC4A-1BE9C2A400E1}" type="parTrans" cxnId="{8B34FBF9-72F9-4D77-AA89-8BAFEEBFF480}">
+      <dgm:prSet/>
+      <dgm:spPr/>
+      <dgm:t>
+        <a:bodyPr/>
+        <a:lstStyle/>
+        <a:p>
+          <a:endParaRPr lang="en-US"/>
+        </a:p>
+      </dgm:t>
+    </dgm:pt>
+    <dgm:pt modelId="{6C5DCCD8-0FB7-47EB-91B6-C435D176D4B2}" type="sibTrans" cxnId="{8B34FBF9-72F9-4D77-AA89-8BAFEEBFF480}">
+      <dgm:prSet/>
+      <dgm:spPr/>
+      <dgm:t>
+        <a:bodyPr/>
+        <a:lstStyle/>
+        <a:p>
+          <a:endParaRPr lang="en-US"/>
+        </a:p>
+      </dgm:t>
+    </dgm:pt>
+    <dgm:pt modelId="{AAF08B46-F697-4E41-9C42-31904E2000E8}" type="pres">
+      <dgm:prSet presAssocID="{A6FDD296-DE26-455E-A556-6DFD68F9FEDA}" presName="root" presStyleCnt="0">
+        <dgm:presLayoutVars>
+          <dgm:dir/>
+          <dgm:resizeHandles val="exact"/>
+        </dgm:presLayoutVars>
+      </dgm:prSet>
+      <dgm:spPr/>
+    </dgm:pt>
+    <dgm:pt modelId="{3370C8FA-1778-4BB4-99F0-6DDA31E81174}" type="pres">
+      <dgm:prSet presAssocID="{21A1E33A-C4FA-438F-AF95-348F4D4C95DB}" presName="compNode" presStyleCnt="0"/>
+      <dgm:spPr/>
+    </dgm:pt>
+    <dgm:pt modelId="{2788C2B7-D9F4-4418-8490-B69D3FA51846}" type="pres">
+      <dgm:prSet presAssocID="{21A1E33A-C4FA-438F-AF95-348F4D4C95DB}" presName="iconBgRect" presStyleLbl="bgShp" presStyleIdx="0" presStyleCnt="2"/>
+      <dgm:spPr>
+        <a:prstGeom prst="round2DiagRect">
+          <a:avLst>
+            <a:gd name="adj1" fmla="val 29727"/>
+            <a:gd name="adj2" fmla="val 0"/>
+          </a:avLst>
+        </a:prstGeom>
+      </dgm:spPr>
+    </dgm:pt>
+    <dgm:pt modelId="{73D57F78-636A-4C1E-A613-E325F5231B6E}" type="pres">
+      <dgm:prSet presAssocID="{21A1E33A-C4FA-438F-AF95-348F4D4C95DB}" presName="iconRect" presStyleLbl="node1" presStyleIdx="0" presStyleCnt="2"/>
+      <dgm:spPr>
+        <a:blipFill>
+          <a:blip xmlns:r="http://schemas.openxmlformats.org/officeDocument/2006/relationships" r:embed="rId1">
+            <a:extLst>
+              <a:ext uri="{28A0092B-C50C-407E-A947-70E740481C1C}">
+                <a14:useLocalDpi xmlns:a14="http://schemas.microsoft.com/office/drawing/2010/main" val="0"/>
+              </a:ext>
+              <a:ext uri="{96DAC541-7B7A-43D3-8B79-37D633B846F1}">
+                <asvg:svgBlip xmlns:asvg="http://schemas.microsoft.com/office/drawing/2016/SVG/main" r:embed="rId2"/>
+              </a:ext>
+            </a:extLst>
+          </a:blip>
+          <a:stretch>
+            <a:fillRect/>
+          </a:stretch>
+        </a:blipFill>
+        <a:ln>
+          <a:noFill/>
+        </a:ln>
+      </dgm:spPr>
+      <dgm:extLst>
+        <a:ext uri="{E40237B7-FDA0-4F09-8148-C483321AD2D9}">
+          <dgm14:cNvPr xmlns:dgm14="http://schemas.microsoft.com/office/drawing/2010/diagram" id="0" name="" descr="Coffee"/>
+        </a:ext>
+      </dgm:extLst>
+    </dgm:pt>
+    <dgm:pt modelId="{D9889A6C-393E-4B51-B2F4-67A9418116A6}" type="pres">
+      <dgm:prSet presAssocID="{21A1E33A-C4FA-438F-AF95-348F4D4C95DB}" presName="spaceRect" presStyleCnt="0"/>
+      <dgm:spPr/>
+    </dgm:pt>
+    <dgm:pt modelId="{69D3E3EB-C7A9-4775-B92C-ABAEC6CD3C38}" type="pres">
+      <dgm:prSet presAssocID="{21A1E33A-C4FA-438F-AF95-348F4D4C95DB}" presName="textRect" presStyleLbl="revTx" presStyleIdx="0" presStyleCnt="2">
+        <dgm:presLayoutVars>
+          <dgm:chMax val="1"/>
+          <dgm:chPref val="1"/>
+        </dgm:presLayoutVars>
+      </dgm:prSet>
+      <dgm:spPr/>
+    </dgm:pt>
+    <dgm:pt modelId="{9FBC9EF1-B8FE-4819-A8CB-086A71AE1BC9}" type="pres">
+      <dgm:prSet presAssocID="{E6F4935F-0D5B-4571-BC35-6C69D669214B}" presName="sibTrans" presStyleCnt="0"/>
+      <dgm:spPr/>
+    </dgm:pt>
+    <dgm:pt modelId="{EA6F7BF8-0C27-4C85-9A04-23CF5C3D7460}" type="pres">
+      <dgm:prSet presAssocID="{397F532C-9350-40F5-B909-B05B44EEFA23}" presName="compNode" presStyleCnt="0"/>
+      <dgm:spPr/>
+    </dgm:pt>
+    <dgm:pt modelId="{4C657228-7255-43C0-8209-F1387ADABBC9}" type="pres">
+      <dgm:prSet presAssocID="{397F532C-9350-40F5-B909-B05B44EEFA23}" presName="iconBgRect" presStyleLbl="bgShp" presStyleIdx="1" presStyleCnt="2"/>
+      <dgm:spPr>
+        <a:prstGeom prst="round2DiagRect">
+          <a:avLst>
+            <a:gd name="adj1" fmla="val 29727"/>
+            <a:gd name="adj2" fmla="val 0"/>
+          </a:avLst>
+        </a:prstGeom>
+      </dgm:spPr>
+    </dgm:pt>
+    <dgm:pt modelId="{54C4C9C7-2388-4821-9AF1-4A50D6907CAB}" type="pres">
+      <dgm:prSet presAssocID="{397F532C-9350-40F5-B909-B05B44EEFA23}" presName="iconRect" presStyleLbl="node1" presStyleIdx="1" presStyleCnt="2"/>
+      <dgm:spPr>
+        <a:blipFill>
+          <a:blip xmlns:r="http://schemas.openxmlformats.org/officeDocument/2006/relationships" r:embed="rId3">
+            <a:extLst>
+              <a:ext uri="{28A0092B-C50C-407E-A947-70E740481C1C}">
+                <a14:useLocalDpi xmlns:a14="http://schemas.microsoft.com/office/drawing/2010/main" val="0"/>
+              </a:ext>
+              <a:ext uri="{96DAC541-7B7A-43D3-8B79-37D633B846F1}">
+                <asvg:svgBlip xmlns:asvg="http://schemas.microsoft.com/office/drawing/2016/SVG/main" r:embed="rId4"/>
+              </a:ext>
+            </a:extLst>
+          </a:blip>
+          <a:stretch>
+            <a:fillRect/>
+          </a:stretch>
+        </a:blipFill>
+        <a:ln>
+          <a:noFill/>
+        </a:ln>
+      </dgm:spPr>
+      <dgm:extLst>
+        <a:ext uri="{E40237B7-FDA0-4F09-8148-C483321AD2D9}">
+          <dgm14:cNvPr xmlns:dgm14="http://schemas.microsoft.com/office/drawing/2010/diagram" id="0" name="" descr="Clock"/>
+        </a:ext>
+      </dgm:extLst>
+    </dgm:pt>
+    <dgm:pt modelId="{EF57633C-E747-457A-9C61-72399EF8C9AE}" type="pres">
+      <dgm:prSet presAssocID="{397F532C-9350-40F5-B909-B05B44EEFA23}" presName="spaceRect" presStyleCnt="0"/>
+      <dgm:spPr/>
+    </dgm:pt>
+    <dgm:pt modelId="{BE192A52-2E4E-438B-BFF9-C51B9A463201}" type="pres">
+      <dgm:prSet presAssocID="{397F532C-9350-40F5-B909-B05B44EEFA23}" presName="textRect" presStyleLbl="revTx" presStyleIdx="1" presStyleCnt="2">
+        <dgm:presLayoutVars>
+          <dgm:chMax val="1"/>
+          <dgm:chPref val="1"/>
+        </dgm:presLayoutVars>
+      </dgm:prSet>
+      <dgm:spPr/>
+    </dgm:pt>
+  </dgm:ptLst>
+  <dgm:cxnLst>
+    <dgm:cxn modelId="{D9B6FA2C-191F-4DA6-9E1E-3F0E6B5F2427}" type="presOf" srcId="{397F532C-9350-40F5-B909-B05B44EEFA23}" destId="{BE192A52-2E4E-438B-BFF9-C51B9A463201}" srcOrd="0" destOrd="0" presId="urn:microsoft.com/office/officeart/2018/5/layout/IconLeafLabelList"/>
+    <dgm:cxn modelId="{9AC98448-8A41-41C4-8ABD-BA485283FBB6}" type="presOf" srcId="{21A1E33A-C4FA-438F-AF95-348F4D4C95DB}" destId="{69D3E3EB-C7A9-4775-B92C-ABAEC6CD3C38}" srcOrd="0" destOrd="0" presId="urn:microsoft.com/office/officeart/2018/5/layout/IconLeafLabelList"/>
+    <dgm:cxn modelId="{A9964F6A-2B81-41FC-A67D-0090FF4A72DE}" type="presOf" srcId="{A6FDD296-DE26-455E-A556-6DFD68F9FEDA}" destId="{AAF08B46-F697-4E41-9C42-31904E2000E8}" srcOrd="0" destOrd="0" presId="urn:microsoft.com/office/officeart/2018/5/layout/IconLeafLabelList"/>
+    <dgm:cxn modelId="{02AC5ED4-492E-46FA-9D58-0411328FAA91}" srcId="{A6FDD296-DE26-455E-A556-6DFD68F9FEDA}" destId="{21A1E33A-C4FA-438F-AF95-348F4D4C95DB}" srcOrd="0" destOrd="0" parTransId="{5EAE27CF-51C6-41B6-B6B1-E0FDA7C37DA4}" sibTransId="{E6F4935F-0D5B-4571-BC35-6C69D669214B}"/>
+    <dgm:cxn modelId="{8B34FBF9-72F9-4D77-AA89-8BAFEEBFF480}" srcId="{A6FDD296-DE26-455E-A556-6DFD68F9FEDA}" destId="{397F532C-9350-40F5-B909-B05B44EEFA23}" srcOrd="1" destOrd="0" parTransId="{1002C2B4-2941-4600-AC4A-1BE9C2A400E1}" sibTransId="{6C5DCCD8-0FB7-47EB-91B6-C435D176D4B2}"/>
+    <dgm:cxn modelId="{7808BE32-09FA-450F-8054-1B9CC9B4CE4E}" type="presParOf" srcId="{AAF08B46-F697-4E41-9C42-31904E2000E8}" destId="{3370C8FA-1778-4BB4-99F0-6DDA31E81174}" srcOrd="0" destOrd="0" presId="urn:microsoft.com/office/officeart/2018/5/layout/IconLeafLabelList"/>
+    <dgm:cxn modelId="{4F66AA7D-C1A2-4B7D-9844-3B35C8031C80}" type="presParOf" srcId="{3370C8FA-1778-4BB4-99F0-6DDA31E81174}" destId="{2788C2B7-D9F4-4418-8490-B69D3FA51846}" srcOrd="0" destOrd="0" presId="urn:microsoft.com/office/officeart/2018/5/layout/IconLeafLabelList"/>
+    <dgm:cxn modelId="{BC7346FF-39FD-4CF4-A361-7EE5FC101AF6}" type="presParOf" srcId="{3370C8FA-1778-4BB4-99F0-6DDA31E81174}" destId="{73D57F78-636A-4C1E-A613-E325F5231B6E}" srcOrd="1" destOrd="0" presId="urn:microsoft.com/office/officeart/2018/5/layout/IconLeafLabelList"/>
+    <dgm:cxn modelId="{FC5C0DC7-FF6D-4865-AA1A-2559006ACE93}" type="presParOf" srcId="{3370C8FA-1778-4BB4-99F0-6DDA31E81174}" destId="{D9889A6C-393E-4B51-B2F4-67A9418116A6}" srcOrd="2" destOrd="0" presId="urn:microsoft.com/office/officeart/2018/5/layout/IconLeafLabelList"/>
+    <dgm:cxn modelId="{FB9331DD-D0E7-4EF9-B975-B5B370CC9CB7}" type="presParOf" srcId="{3370C8FA-1778-4BB4-99F0-6DDA31E81174}" destId="{69D3E3EB-C7A9-4775-B92C-ABAEC6CD3C38}" srcOrd="3" destOrd="0" presId="urn:microsoft.com/office/officeart/2018/5/layout/IconLeafLabelList"/>
+    <dgm:cxn modelId="{17D233C6-9BB3-4B2A-8593-CC5CA4C445AE}" type="presParOf" srcId="{AAF08B46-F697-4E41-9C42-31904E2000E8}" destId="{9FBC9EF1-B8FE-4819-A8CB-086A71AE1BC9}" srcOrd="1" destOrd="0" presId="urn:microsoft.com/office/officeart/2018/5/layout/IconLeafLabelList"/>
+    <dgm:cxn modelId="{E7AE6582-B8C3-4A7D-A10D-AFEEAC6CAFDF}" type="presParOf" srcId="{AAF08B46-F697-4E41-9C42-31904E2000E8}" destId="{EA6F7BF8-0C27-4C85-9A04-23CF5C3D7460}" srcOrd="2" destOrd="0" presId="urn:microsoft.com/office/officeart/2018/5/layout/IconLeafLabelList"/>
+    <dgm:cxn modelId="{6F081A5A-C3E0-47FD-B87B-520A4A37DA75}" type="presParOf" srcId="{EA6F7BF8-0C27-4C85-9A04-23CF5C3D7460}" destId="{4C657228-7255-43C0-8209-F1387ADABBC9}" srcOrd="0" destOrd="0" presId="urn:microsoft.com/office/officeart/2018/5/layout/IconLeafLabelList"/>
+    <dgm:cxn modelId="{E4C5835F-02E4-40CD-A928-9EFE3177FE2A}" type="presParOf" srcId="{EA6F7BF8-0C27-4C85-9A04-23CF5C3D7460}" destId="{54C4C9C7-2388-4821-9AF1-4A50D6907CAB}" srcOrd="1" destOrd="0" presId="urn:microsoft.com/office/officeart/2018/5/layout/IconLeafLabelList"/>
+    <dgm:cxn modelId="{9C9D8AA1-0CEE-4162-9E5A-306EED1FF753}" type="presParOf" srcId="{EA6F7BF8-0C27-4C85-9A04-23CF5C3D7460}" destId="{EF57633C-E747-457A-9C61-72399EF8C9AE}" srcOrd="2" destOrd="0" presId="urn:microsoft.com/office/officeart/2018/5/layout/IconLeafLabelList"/>
+    <dgm:cxn modelId="{96D59B13-4B96-4B6B-9A29-951EBED3136A}" type="presParOf" srcId="{EA6F7BF8-0C27-4C85-9A04-23CF5C3D7460}" destId="{BE192A52-2E4E-438B-BFF9-C51B9A463201}" srcOrd="3" destOrd="0" presId="urn:microsoft.com/office/officeart/2018/5/layout/IconLeafLabelList"/>
+  </dgm:cxnLst>
+  <dgm:bg/>
+  <dgm:whole/>
+  <dgm:extLst>
+    <a:ext uri="http://schemas.microsoft.com/office/drawing/2008/diagram">
+      <dsp:dataModelExt xmlns:dsp="http://schemas.microsoft.com/office/drawing/2008/diagram" relId="rId6" minVer="http://schemas.openxmlformats.org/drawingml/2006/diagram"/>
+    </a:ext>
+  </dgm:extLst>
+</dgm:dataModel>
+</file>
+
+<file path=ppt/diagrams/drawing1.xml><?xml version="1.0" encoding="utf-8"?>
+<dsp:drawing xmlns:dgm="http://schemas.openxmlformats.org/drawingml/2006/diagram" xmlns:dsp="http://schemas.microsoft.com/office/drawing/2008/diagram" xmlns:a="http://schemas.openxmlformats.org/drawingml/2006/main">
+  <dsp:spTree>
+    <dsp:nvGrpSpPr>
+      <dsp:cNvPr id="0" name=""/>
+      <dsp:cNvGrpSpPr/>
+    </dsp:nvGrpSpPr>
+    <dsp:grpSpPr/>
+    <dsp:sp modelId="{2788C2B7-D9F4-4418-8490-B69D3FA51846}">
+      <dsp:nvSpPr>
+        <dsp:cNvPr id="0" name=""/>
+        <dsp:cNvSpPr/>
+      </dsp:nvSpPr>
+      <dsp:spPr>
+        <a:xfrm>
+          <a:off x="2428048" y="7450"/>
+          <a:ext cx="1887187" cy="1887187"/>
+        </a:xfrm>
+        <a:prstGeom prst="round2DiagRect">
+          <a:avLst>
+            <a:gd name="adj1" fmla="val 29727"/>
+            <a:gd name="adj2" fmla="val 0"/>
+          </a:avLst>
+        </a:prstGeom>
+        <a:solidFill>
+          <a:schemeClr val="bg1">
+            <a:lumMod val="95000"/>
+            <a:hueOff val="0"/>
+            <a:satOff val="0"/>
+            <a:lumOff val="0"/>
+            <a:alphaOff val="0"/>
+          </a:schemeClr>
+        </a:solidFill>
+        <a:ln>
+          <a:noFill/>
+        </a:ln>
+        <a:effectLst/>
+      </dsp:spPr>
+      <dsp:style>
+        <a:lnRef idx="0">
+          <a:scrgbClr r="0" g="0" b="0"/>
+        </a:lnRef>
+        <a:fillRef idx="1">
+          <a:scrgbClr r="0" g="0" b="0"/>
+        </a:fillRef>
+        <a:effectRef idx="0">
+          <a:scrgbClr r="0" g="0" b="0"/>
+        </a:effectRef>
+        <a:fontRef idx="minor"/>
+      </dsp:style>
+    </dsp:sp>
+    <dsp:sp modelId="{73D57F78-636A-4C1E-A613-E325F5231B6E}">
+      <dsp:nvSpPr>
+        <dsp:cNvPr id="0" name=""/>
+        <dsp:cNvSpPr/>
+      </dsp:nvSpPr>
+      <dsp:spPr>
+        <a:xfrm>
+          <a:off x="2830235" y="409638"/>
+          <a:ext cx="1082812" cy="1082812"/>
+        </a:xfrm>
+        <a:prstGeom prst="rect">
+          <a:avLst/>
+        </a:prstGeom>
+        <a:blipFill>
+          <a:blip xmlns:r="http://schemas.openxmlformats.org/officeDocument/2006/relationships" r:embed="rId1">
+            <a:extLst>
+              <a:ext uri="{28A0092B-C50C-407E-A947-70E740481C1C}">
+                <a14:useLocalDpi xmlns:a14="http://schemas.microsoft.com/office/drawing/2010/main" val="0"/>
+              </a:ext>
+              <a:ext uri="{96DAC541-7B7A-43D3-8B79-37D633B846F1}">
+                <asvg:svgBlip xmlns:asvg="http://schemas.microsoft.com/office/drawing/2016/SVG/main" r:embed="rId2"/>
+              </a:ext>
+            </a:extLst>
+          </a:blip>
+          <a:stretch>
+            <a:fillRect/>
+          </a:stretch>
+        </a:blipFill>
+        <a:ln w="12700" cap="flat" cmpd="sng" algn="ctr">
+          <a:noFill/>
+          <a:prstDash val="solid"/>
+          <a:miter lim="800000"/>
+        </a:ln>
+        <a:effectLst/>
+      </dsp:spPr>
+      <dsp:style>
+        <a:lnRef idx="2">
+          <a:scrgbClr r="0" g="0" b="0"/>
+        </a:lnRef>
+        <a:fillRef idx="1">
+          <a:scrgbClr r="0" g="0" b="0"/>
+        </a:fillRef>
+        <a:effectRef idx="0">
+          <a:scrgbClr r="0" g="0" b="0"/>
+        </a:effectRef>
+        <a:fontRef idx="minor">
+          <a:schemeClr val="lt1"/>
+        </a:fontRef>
+      </dsp:style>
+    </dsp:sp>
+    <dsp:sp modelId="{69D3E3EB-C7A9-4775-B92C-ABAEC6CD3C38}">
+      <dsp:nvSpPr>
+        <dsp:cNvPr id="0" name=""/>
+        <dsp:cNvSpPr/>
+      </dsp:nvSpPr>
+      <dsp:spPr>
+        <a:xfrm>
+          <a:off x="1824766" y="2482451"/>
+          <a:ext cx="3093750" cy="720000"/>
+        </a:xfrm>
+        <a:prstGeom prst="rect">
+          <a:avLst/>
+        </a:prstGeom>
+        <a:noFill/>
+        <a:ln>
+          <a:noFill/>
+        </a:ln>
+        <a:effectLst/>
+      </dsp:spPr>
+      <dsp:style>
+        <a:lnRef idx="0">
+          <a:scrgbClr r="0" g="0" b="0"/>
+        </a:lnRef>
+        <a:fillRef idx="0">
+          <a:scrgbClr r="0" g="0" b="0"/>
+        </a:fillRef>
+        <a:effectRef idx="0">
+          <a:scrgbClr r="0" g="0" b="0"/>
+        </a:effectRef>
+        <a:fontRef idx="minor"/>
+      </dsp:style>
+      <dsp:txBody>
+        <a:bodyPr spcFirstLastPara="0" vert="horz" wrap="square" lIns="0" tIns="0" rIns="0" bIns="0" numCol="1" spcCol="1270" anchor="t" anchorCtr="0">
+          <a:noAutofit/>
+        </a:bodyPr>
+        <a:lstStyle/>
+        <a:p>
+          <a:pPr marL="0" lvl="0" indent="0" algn="ctr" defTabSz="755650">
+            <a:lnSpc>
+              <a:spcPct val="90000"/>
+            </a:lnSpc>
+            <a:spcBef>
+              <a:spcPct val="0"/>
+            </a:spcBef>
+            <a:spcAft>
+              <a:spcPct val="35000"/>
+            </a:spcAft>
+            <a:buNone/>
+            <a:defRPr cap="all"/>
+          </a:pPr>
+          <a:r>
+            <a:rPr lang="en-CA" sz="1700" kern="1200"/>
+            <a:t>Let’s go for a break!</a:t>
+          </a:r>
+          <a:endParaRPr lang="en-US" sz="1700" kern="1200"/>
+        </a:p>
+      </dsp:txBody>
+      <dsp:txXfrm>
+        <a:off x="1824766" y="2482451"/>
+        <a:ext cx="3093750" cy="720000"/>
+      </dsp:txXfrm>
+    </dsp:sp>
+    <dsp:sp modelId="{4C657228-7255-43C0-8209-F1387ADABBC9}">
+      <dsp:nvSpPr>
+        <dsp:cNvPr id="0" name=""/>
+        <dsp:cNvSpPr/>
+      </dsp:nvSpPr>
+      <dsp:spPr>
+        <a:xfrm>
+          <a:off x="6063204" y="7450"/>
+          <a:ext cx="1887187" cy="1887187"/>
+        </a:xfrm>
+        <a:prstGeom prst="round2DiagRect">
+          <a:avLst>
+            <a:gd name="adj1" fmla="val 29727"/>
+            <a:gd name="adj2" fmla="val 0"/>
+          </a:avLst>
+        </a:prstGeom>
+        <a:solidFill>
+          <a:schemeClr val="bg1">
+            <a:lumMod val="95000"/>
+            <a:hueOff val="0"/>
+            <a:satOff val="0"/>
+            <a:lumOff val="0"/>
+            <a:alphaOff val="0"/>
+          </a:schemeClr>
+        </a:solidFill>
+        <a:ln>
+          <a:noFill/>
+        </a:ln>
+        <a:effectLst/>
+      </dsp:spPr>
+      <dsp:style>
+        <a:lnRef idx="0">
+          <a:scrgbClr r="0" g="0" b="0"/>
+        </a:lnRef>
+        <a:fillRef idx="1">
+          <a:scrgbClr r="0" g="0" b="0"/>
+        </a:fillRef>
+        <a:effectRef idx="0">
+          <a:scrgbClr r="0" g="0" b="0"/>
+        </a:effectRef>
+        <a:fontRef idx="minor"/>
+      </dsp:style>
+    </dsp:sp>
+    <dsp:sp modelId="{54C4C9C7-2388-4821-9AF1-4A50D6907CAB}">
+      <dsp:nvSpPr>
+        <dsp:cNvPr id="0" name=""/>
+        <dsp:cNvSpPr/>
+      </dsp:nvSpPr>
+      <dsp:spPr>
+        <a:xfrm>
+          <a:off x="6465391" y="409638"/>
+          <a:ext cx="1082812" cy="1082812"/>
+        </a:xfrm>
+        <a:prstGeom prst="rect">
+          <a:avLst/>
+        </a:prstGeom>
+        <a:blipFill>
+          <a:blip xmlns:r="http://schemas.openxmlformats.org/officeDocument/2006/relationships" r:embed="rId3">
+            <a:extLst>
+              <a:ext uri="{28A0092B-C50C-407E-A947-70E740481C1C}">
+                <a14:useLocalDpi xmlns:a14="http://schemas.microsoft.com/office/drawing/2010/main" val="0"/>
+              </a:ext>
+              <a:ext uri="{96DAC541-7B7A-43D3-8B79-37D633B846F1}">
+                <asvg:svgBlip xmlns:asvg="http://schemas.microsoft.com/office/drawing/2016/SVG/main" r:embed="rId4"/>
+              </a:ext>
+            </a:extLst>
+          </a:blip>
+          <a:stretch>
+            <a:fillRect/>
+          </a:stretch>
+        </a:blipFill>
+        <a:ln w="12700" cap="flat" cmpd="sng" algn="ctr">
+          <a:noFill/>
+          <a:prstDash val="solid"/>
+          <a:miter lim="800000"/>
+        </a:ln>
+        <a:effectLst/>
+      </dsp:spPr>
+      <dsp:style>
+        <a:lnRef idx="2">
+          <a:scrgbClr r="0" g="0" b="0"/>
+        </a:lnRef>
+        <a:fillRef idx="1">
+          <a:scrgbClr r="0" g="0" b="0"/>
+        </a:fillRef>
+        <a:effectRef idx="0">
+          <a:scrgbClr r="0" g="0" b="0"/>
+        </a:effectRef>
+        <a:fontRef idx="minor">
+          <a:schemeClr val="lt1"/>
+        </a:fontRef>
+      </dsp:style>
+    </dsp:sp>
+    <dsp:sp modelId="{BE192A52-2E4E-438B-BFF9-C51B9A463201}">
+      <dsp:nvSpPr>
+        <dsp:cNvPr id="0" name=""/>
+        <dsp:cNvSpPr/>
+      </dsp:nvSpPr>
+      <dsp:spPr>
+        <a:xfrm>
+          <a:off x="5459923" y="2482451"/>
+          <a:ext cx="3093750" cy="720000"/>
+        </a:xfrm>
+        <a:prstGeom prst="rect">
+          <a:avLst/>
+        </a:prstGeom>
+        <a:noFill/>
+        <a:ln>
+          <a:noFill/>
+        </a:ln>
+        <a:effectLst/>
+      </dsp:spPr>
+      <dsp:style>
+        <a:lnRef idx="0">
+          <a:scrgbClr r="0" g="0" b="0"/>
+        </a:lnRef>
+        <a:fillRef idx="0">
+          <a:scrgbClr r="0" g="0" b="0"/>
+        </a:fillRef>
+        <a:effectRef idx="0">
+          <a:scrgbClr r="0" g="0" b="0"/>
+        </a:effectRef>
+        <a:fontRef idx="minor"/>
+      </dsp:style>
+      <dsp:txBody>
+        <a:bodyPr spcFirstLastPara="0" vert="horz" wrap="square" lIns="0" tIns="0" rIns="0" bIns="0" numCol="1" spcCol="1270" anchor="t" anchorCtr="0">
+          <a:noAutofit/>
+        </a:bodyPr>
+        <a:lstStyle/>
+        <a:p>
+          <a:pPr marL="0" lvl="0" indent="0" algn="ctr" defTabSz="755650">
+            <a:lnSpc>
+              <a:spcPct val="90000"/>
+            </a:lnSpc>
+            <a:spcBef>
+              <a:spcPct val="0"/>
+            </a:spcBef>
+            <a:spcAft>
+              <a:spcPct val="35000"/>
+            </a:spcAft>
+            <a:buNone/>
+            <a:defRPr cap="all"/>
+          </a:pPr>
+          <a:r>
+            <a:rPr lang="en-CA" sz="1700" kern="1200"/>
+            <a:t>Return in 15 minutes (or at time specified by your instructor).</a:t>
+          </a:r>
+          <a:endParaRPr lang="en-US" sz="1700" kern="1200"/>
+        </a:p>
+      </dsp:txBody>
+      <dsp:txXfrm>
+        <a:off x="5459923" y="2482451"/>
+        <a:ext cx="3093750" cy="720000"/>
+      </dsp:txXfrm>
+    </dsp:sp>
+  </dsp:spTree>
+</dsp:drawing>
+</file>
+
+<file path=ppt/diagrams/layout1.xml><?xml version="1.0" encoding="utf-8"?>
+<dgm:layoutDef xmlns:dgm="http://schemas.openxmlformats.org/drawingml/2006/diagram" xmlns:a="http://schemas.openxmlformats.org/drawingml/2006/main" uniqueId="urn:microsoft.com/office/officeart/2018/5/layout/IconLeafLabelList">
+  <dgm:title val="Icon Leaf Label List"/>
+  <dgm:desc val="Use to show non-sequential or grouped chunks of information accompanied by a related visuals. Works best with icons or small pictures with short text captions."/>
+  <dgm:catLst>
+    <dgm:cat type="icon" pri="500"/>
+  </dgm:catLst>
+  <dgm:sampData useDef="1">
+    <dgm:dataModel>
+      <dgm:ptLst/>
+      <dgm:bg/>
+      <dgm:whole/>
+    </dgm:dataModel>
+  </dgm:sampData>
+  <dgm:styleData useDef="1">
+    <dgm:dataModel>
+      <dgm:ptLst/>
+      <dgm:bg/>
+      <dgm:whole/>
+    </dgm:dataModel>
+  </dgm:styleData>
+  <dgm:clrData useDef="1">
+    <dgm:dataModel>
+      <dgm:ptLst/>
+      <dgm:bg/>
+      <dgm:whole/>
+    </dgm:dataModel>
+  </dgm:clrData>
+  <dgm:layoutNode name="root">
+    <dgm:varLst>
+      <dgm:dir/>
+      <dgm:resizeHandles val="exact"/>
+    </dgm:varLst>
+    <dgm:choose name="Name0">
+      <dgm:if name="Name1" axis="self" func="var" arg="dir" op="equ" val="norm">
+        <dgm:alg type="snake">
+          <dgm:param type="grDir" val="tL"/>
+          <dgm:param type="flowDir" val="row"/>
+          <dgm:param type="contDir" val="sameDir"/>
+          <dgm:param type="off" val="ctr"/>
+          <dgm:param type="vertAlign" val="mid"/>
+          <dgm:param type="horzAlign" val="ctr"/>
+        </dgm:alg>
+      </dgm:if>
+      <dgm:else name="Name2">
+        <dgm:alg type="snake">
+          <dgm:param type="grDir" val="tR"/>
+          <dgm:param type="flowDir" val="row"/>
+          <dgm:param type="contDir" val="sameDir"/>
+          <dgm:param type="off" val="ctr"/>
+          <dgm:param type="vertAlign" val="mid"/>
+          <dgm:param type="horzAlign" val="ctr"/>
+        </dgm:alg>
+      </dgm:else>
+    </dgm:choose>
+    <dgm:shape xmlns:r="http://schemas.openxmlformats.org/officeDocument/2006/relationships" r:blip="">
+      <dgm:adjLst/>
+    </dgm:shape>
+    <dgm:presOf/>
+    <dgm:choose name="Name3">
+      <dgm:if name="Name4" axis="ch" ptType="node" func="cnt" op="lte" val="2">
+        <dgm:constrLst>
+          <dgm:constr type="h" for="ch" forName="compNode" refType="h" fact="0.4"/>
+          <dgm:constr type="w" for="ch" forName="compNode" val="100"/>
+          <dgm:constr type="w" for="ch" forName="sibTrans" refType="w" refFor="ch" refForName="compNode" fact="0.175"/>
+          <dgm:constr type="sp" refType="w" refFor="ch" refForName="compNode" op="equ" fact="0.25"/>
+          <dgm:constr type="primFontSz" for="des" ptType="node" op="equ" val="44"/>
+          <dgm:constr type="h" for="des" forName="compNode" op="equ"/>
+          <dgm:constr type="h" for="des" forName="textRect" op="equ"/>
+        </dgm:constrLst>
+      </dgm:if>
+      <dgm:if name="Name5" axis="ch" ptType="node" func="cnt" op="lte" val="3">
+        <dgm:constrLst>
+          <dgm:constr type="h" for="ch" forName="compNode" refType="h" fact="0.4"/>
+          <dgm:constr type="w" for="ch" forName="compNode" val="100"/>
+          <dgm:constr type="w" for="ch" forName="sibTrans" refType="w" refFor="ch" refForName="compNode" fact="0.175"/>
+          <dgm:constr type="sp" refType="w" refFor="ch" refForName="compNode" op="equ" fact="0.25"/>
+          <dgm:constr type="primFontSz" for="des" ptType="node" op="equ" val="40"/>
+          <dgm:constr type="h" for="des" forName="compNode" op="equ"/>
+          <dgm:constr type="h" for="des" forName="textRect" op="equ"/>
+        </dgm:constrLst>
+      </dgm:if>
+      <dgm:if name="Name6" axis="ch" ptType="node" func="cnt" op="lte" val="4">
+        <dgm:constrLst>
+          <dgm:constr type="h" for="ch" forName="compNode" refType="h" fact="0.4"/>
+          <dgm:constr type="w" for="ch" forName="compNode" refType="w"/>
+          <dgm:constr type="w" for="ch" forName="sibTrans" refType="w" refFor="ch" refForName="compNode" fact="0.175"/>
+          <dgm:constr type="sp" refType="w" refFor="ch" refForName="compNode" op="equ" fact="0.25"/>
+          <dgm:constr type="primFontSz" for="des" ptType="node" op="equ" val="32"/>
+          <dgm:constr type="h" for="des" forName="compNode" op="equ"/>
+          <dgm:constr type="h" for="des" forName="textRect" op="equ"/>
+        </dgm:constrLst>
+      </dgm:if>
+      <dgm:else name="Name7">
+        <dgm:constrLst>
+          <dgm:constr type="h" for="ch" forName="compNode" refType="h" fact="0.4"/>
+          <dgm:constr type="w" for="ch" forName="compNode" refType="w"/>
+          <dgm:constr type="w" for="ch" forName="sibTrans" refType="w" refFor="ch" refForName="compNode" fact="0.175"/>
+          <dgm:constr type="sp" refType="w" refFor="ch" refForName="compNode" op="equ" fact="0.25"/>
+          <dgm:constr type="primFontSz" for="des" ptType="node" op="equ" val="24"/>
+          <dgm:constr type="h" for="des" forName="compNode" op="equ"/>
+          <dgm:constr type="h" for="des" forName="textRect" op="equ"/>
+        </dgm:constrLst>
+      </dgm:else>
+    </dgm:choose>
+    <dgm:ruleLst>
+      <dgm:rule type="w" for="ch" forName="compNode" val="50" fact="NaN" max="NaN"/>
+    </dgm:ruleLst>
+    <dgm:forEach name="Name8" axis="ch" ptType="node">
+      <dgm:layoutNode name="compNode">
+        <dgm:alg type="composite"/>
+        <dgm:shape xmlns:r="http://schemas.openxmlformats.org/officeDocument/2006/relationships" r:blip="">
+          <dgm:adjLst/>
+        </dgm:shape>
+        <dgm:presOf axis="self"/>
+        <dgm:constrLst>
+          <dgm:constr type="w" for="ch" forName="iconBgRect" refType="w" fact="0.61"/>
+          <dgm:constr type="h" for="ch" forName="iconBgRect" refType="w" refFor="ch" refForName="iconBgRect"/>
+          <dgm:constr type="t" for="ch" forName="iconBgRect"/>
+          <dgm:constr type="ctrX" for="ch" forName="iconBgRect" refType="w" fact="0.5"/>
+          <dgm:constr type="w" for="ch" forName="iconRect" refType="w" fact="0.35"/>
+          <dgm:constr type="h" for="ch" forName="iconRect" refType="w" refFor="ch" refForName="iconRect"/>
+          <dgm:constr type="ctrX" for="ch" forName="iconRect" refType="ctrX" refFor="ch" refForName="iconBgRect"/>
+          <dgm:constr type="ctrY" for="ch" forName="iconRect" refType="ctrY" refFor="ch" refForName="iconBgRect"/>
+          <dgm:constr type="h" for="ch" forName="spaceRect" refType="w" fact="0.19"/>
+          <dgm:constr type="w" for="ch" forName="spaceRect" refType="w"/>
+          <dgm:constr type="l" for="ch" forName="spaceRect"/>
+          <dgm:constr type="t" for="ch" forName="spaceRect" refType="b" refFor="ch" refForName="iconBgRect"/>
+          <dgm:constr type="h" for="ch" forName="textRect" val="20"/>
+          <dgm:constr type="w" for="ch" forName="textRect" refType="w"/>
+          <dgm:constr type="l" for="ch" forName="textRect"/>
+          <dgm:constr type="t" for="ch" forName="textRect" refType="b" refFor="ch" refForName="spaceRect"/>
+        </dgm:constrLst>
+        <dgm:ruleLst>
+          <dgm:rule type="h" val="INF" fact="NaN" max="NaN"/>
+        </dgm:ruleLst>
+        <dgm:layoutNode name="iconBgRect" styleLbl="bgShp">
+          <dgm:alg type="sp"/>
+          <dgm:shape xmlns:r="http://schemas.openxmlformats.org/officeDocument/2006/relationships" type="round2DiagRect" r:blip="">
+            <dgm:adjLst/>
+            <dgm:extLst>
+              <a:ext uri="{B698B0E9-8C71-41B9-8309-B3DCBF30829C}">
+                <dgm1612:spPr xmlns:dgm1612="http://schemas.microsoft.com/office/drawing/2016/12/diagram">
+                  <a:prstGeom prst="round2DiagRect">
+                    <a:avLst>
+                      <a:gd name="adj1" fmla="val 29727"/>
+                      <a:gd name="adj2" fmla="val 0"/>
+                    </a:avLst>
+                  </a:prstGeom>
+                </dgm1612:spPr>
+              </a:ext>
+            </dgm:extLst>
+          </dgm:shape>
+          <dgm:presOf/>
+          <dgm:constrLst/>
+          <dgm:ruleLst/>
+        </dgm:layoutNode>
+        <dgm:layoutNode name="iconRect" styleLbl="node1">
+          <dgm:alg type="sp"/>
+          <dgm:shape xmlns:r="http://schemas.openxmlformats.org/officeDocument/2006/relationships" type="rect" r:blip="" blipPhldr="1">
+            <dgm:adjLst/>
+          </dgm:shape>
+          <dgm:presOf/>
+          <dgm:constrLst/>
+          <dgm:ruleLst/>
+        </dgm:layoutNode>
+        <dgm:layoutNode name="spaceRect">
+          <dgm:alg type="sp"/>
+          <dgm:shape xmlns:r="http://schemas.openxmlformats.org/officeDocument/2006/relationships" r:blip="">
+            <dgm:adjLst/>
+          </dgm:shape>
+          <dgm:presOf/>
+          <dgm:constrLst/>
+          <dgm:ruleLst/>
+        </dgm:layoutNode>
+        <dgm:layoutNode name="textRect" styleLbl="revTx">
+          <dgm:varLst>
+            <dgm:chMax val="1"/>
+            <dgm:chPref val="1"/>
+          </dgm:varLst>
+          <dgm:alg type="tx">
+            <dgm:param type="txAnchorVert" val="t"/>
+          </dgm:alg>
+          <dgm:shape xmlns:r="http://schemas.openxmlformats.org/officeDocument/2006/relationships" type="rect" r:blip="">
+            <dgm:adjLst/>
+          </dgm:shape>
+          <dgm:presOf axis="self" ptType="node"/>
+          <dgm:constrLst>
+            <dgm:constr type="lMarg"/>
+            <dgm:constr type="rMarg"/>
+            <dgm:constr type="tMarg"/>
+            <dgm:constr type="bMarg"/>
+          </dgm:constrLst>
+          <dgm:ruleLst>
+            <dgm:rule type="primFontSz" val="11" fact="NaN" max="NaN"/>
+            <dgm:rule type="h" val="INF" fact="NaN" max="NaN"/>
+          </dgm:ruleLst>
+        </dgm:layoutNode>
+      </dgm:layoutNode>
+      <dgm:forEach name="Name9" axis="followSib" ptType="sibTrans" cnt="1">
+        <dgm:layoutNode name="sibTrans">
+          <dgm:alg type="sp"/>
+          <dgm:shape xmlns:r="http://schemas.openxmlformats.org/officeDocument/2006/relationships" r:blip="">
+            <dgm:adjLst/>
+          </dgm:shape>
+          <dgm:presOf axis="self"/>
+          <dgm:constrLst/>
+          <dgm:ruleLst/>
+        </dgm:layoutNode>
+      </dgm:forEach>
+    </dgm:forEach>
+  </dgm:layoutNode>
+  <dgm:extLst>
+    <a:ext uri="{68A01E43-0DF5-4B5B-8FA6-DAF915123BFB}">
+      <dgm1612:lstStyle xmlns:dgm1612="http://schemas.microsoft.com/office/drawing/2016/12/diagram">
+        <a:lvl1pPr>
+          <a:lnSpc>
+            <a:spcPct val="100000"/>
+          </a:lnSpc>
+          <a:defRPr cap="all"/>
+        </a:lvl1pPr>
+      </dgm1612:lstStyle>
+    </a:ext>
+  </dgm:extLst>
+</dgm:layoutDef>
+</file>
+
+<file path=ppt/diagrams/quickStyle1.xml><?xml version="1.0" encoding="utf-8"?>
+<dgm:styleDef xmlns:dgm="http://schemas.openxmlformats.org/drawingml/2006/diagram" xmlns:a="http://schemas.openxmlformats.org/drawingml/2006/main" uniqueId="urn:microsoft.com/office/officeart/2005/8/quickstyle/simple1">
+  <dgm:title val=""/>
+  <dgm:desc val=""/>
+  <dgm:catLst>
+    <dgm:cat type="simple" pri="10100"/>
+  </dgm:catLst>
+  <dgm:scene3d>
+    <a:camera prst="orthographicFront"/>
+    <a:lightRig rig="threePt" dir="t"/>
+  </dgm:scene3d>
+  <dgm:styleLbl name="node0">
+    <dgm:scene3d>
+      <a:camera prst="orthographicFront"/>
+      <a:lightRig rig="threePt" dir="t"/>
+    </dgm:scene3d>
+    <dgm:sp3d/>
+    <dgm:txPr/>
+    <dgm:style>
+      <a:lnRef idx="2">
+        <a:scrgbClr r="0" g="0" b="0"/>
+      </a:lnRef>
+      <a:fillRef idx="1">
+        <a:scrgbClr r="0" g="0" b="0"/>
+      </a:fillRef>
+      <a:effectRef idx="0">
+        <a:scrgbClr r="0" g="0" b="0"/>
+      </a:effectRef>
+      <a:fontRef idx="minor">
+        <a:schemeClr val="lt1"/>
+      </a:fontRef>
+    </dgm:style>
+  </dgm:styleLbl>
+  <dgm:styleLbl name="lnNode1">
+    <dgm:scene3d>
+      <a:camera prst="orthographicFront"/>
+      <a:lightRig rig="threePt" dir="t"/>
+    </dgm:scene3d>
+    <dgm:sp3d/>
+    <dgm:txPr/>
+    <dgm:style>
+      <a:lnRef idx="2">
+        <a:scrgbClr r="0" g="0" b="0"/>
+      </a:lnRef>
+      <a:fillRef idx="1">
+        <a:scrgbClr r="0" g="0" b="0"/>
+      </a:fillRef>
+      <a:effectRef idx="0">
+        <a:scrgbClr r="0" g="0" b="0"/>
+      </a:effectRef>
+      <a:fontRef idx="minor">
+        <a:schemeClr val="lt1"/>
+      </a:fontRef>
+    </dgm:style>
+  </dgm:styleLbl>
+  <dgm:styleLbl name="vennNode1">
+    <dgm:scene3d>
+      <a:camera prst="orthographicFront"/>
+      <a:lightRig rig="threePt" dir="t"/>
+    </dgm:scene3d>
+    <dgm:sp3d/>
+    <dgm:txPr/>
+    <dgm:style>
+      <a:lnRef idx="2">
+        <a:scrgbClr r="0" g="0" b="0"/>
+      </a:lnRef>
+      <a:fillRef idx="1">
+        <a:scrgbClr r="0" g="0" b="0"/>
+      </a:fillRef>
+      <a:effectRef idx="0">
+        <a:scrgbClr r="0" g="0" b="0"/>
+      </a:effectRef>
+      <a:fontRef idx="minor">
+        <a:schemeClr val="tx1"/>
+      </a:fontRef>
+    </dgm:style>
+  </dgm:styleLbl>
+  <dgm:styleLbl name="alignNode1">
+    <dgm:scene3d>
+      <a:camera prst="orthographicFront"/>
+      <a:lightRig rig="threePt" dir="t"/>
+    </dgm:scene3d>
+    <dgm:sp3d/>
+    <dgm:txPr/>
+    <dgm:style>
+      <a:lnRef idx="2">
+        <a:scrgbClr r="0" g="0" b="0"/>
+      </a:lnRef>
+      <a:fillRef idx="1">
+        <a:scrgbClr r="0" g="0" b="0"/>
+      </a:fillRef>
+      <a:effectRef idx="0">
+        <a:scrgbClr r="0" g="0" b="0"/>
+      </a:effectRef>
+      <a:fontRef idx="minor">
+        <a:schemeClr val="lt1"/>
+      </a:fontRef>
+    </dgm:style>
+  </dgm:styleLbl>
+  <dgm:styleLbl name="node1">
+    <dgm:scene3d>
+      <a:camera prst="orthographicFront"/>
+      <a:lightRig rig="threePt" dir="t"/>
+    </dgm:scene3d>
+    <dgm:sp3d/>
+    <dgm:txPr/>
+    <dgm:style>
+      <a:lnRef idx="2">
+        <a:scrgbClr r="0" g="0" b="0"/>
+      </a:lnRef>
+      <a:fillRef idx="1">
+        <a:scrgbClr r="0" g="0" b="0"/>
+      </a:fillRef>
+      <a:effectRef idx="0">
+        <a:scrgbClr r="0" g="0" b="0"/>
+      </a:effectRef>
+      <a:fontRef idx="minor">
+        <a:schemeClr val="lt1"/>
+      </a:fontRef>
+    </dgm:style>
+  </dgm:styleLbl>
+  <dgm:styleLbl name="node2">
+    <dgm:scene3d>
+      <a:camera prst="orthographicFront"/>
+      <a:lightRig rig="threePt" dir="t"/>
+    </dgm:scene3d>
+    <dgm:sp3d/>
+    <dgm:txPr/>
+    <dgm:style>
+      <a:lnRef idx="2">
+        <a:scrgbClr r="0" g="0" b="0"/>
+      </a:lnRef>
+      <a:fillRef idx="1">
+        <a:scrgbClr r="0" g="0" b="0"/>
+      </a:fillRef>
+      <a:effectRef idx="0">
+        <a:scrgbClr r="0" g="0" b="0"/>
+      </a:effectRef>
+      <a:fontRef idx="minor">
+        <a:schemeClr val="lt1"/>
+      </a:fontRef>
+    </dgm:style>
+  </dgm:styleLbl>
+  <dgm:styleLbl name="node3">
+    <dgm:scene3d>
+      <a:camera prst="orthographicFront"/>
+      <a:lightRig rig="threePt" dir="t"/>
+    </dgm:scene3d>
+    <dgm:sp3d/>
+    <dgm:txPr/>
+    <dgm:style>
+      <a:lnRef idx="2">
+        <a:scrgbClr r="0" g="0" b="0"/>
+      </a:lnRef>
+      <a:fillRef idx="1">
+        <a:scrgbClr r="0" g="0" b="0"/>
+      </a:fillRef>
+      <a:effectRef idx="0">
+        <a:scrgbClr r="0" g="0" b="0"/>
+      </a:effectRef>
+      <a:fontRef idx="minor">
+        <a:schemeClr val="lt1"/>
+      </a:fontRef>
+    </dgm:style>
+  </dgm:styleLbl>
+  <dgm:styleLbl name="node4">
+    <dgm:scene3d>
+      <a:camera prst="orthographicFront"/>
+      <a:lightRig rig="threePt" dir="t"/>
+    </dgm:scene3d>
+    <dgm:sp3d/>
+    <dgm:txPr/>
+    <dgm:style>
+      <a:lnRef idx="2">
+        <a:scrgbClr r="0" g="0" b="0"/>
+      </a:lnRef>
+      <a:fillRef idx="1">
+        <a:scrgbClr r="0" g="0" b="0"/>
+      </a:fillRef>
+      <a:effectRef idx="0">
+        <a:scrgbClr r="0" g="0" b="0"/>
+      </a:effectRef>
+      <a:fontRef idx="minor">
+        <a:schemeClr val="lt1"/>
+      </a:fontRef>
+    </dgm:style>
+  </dgm:styleLbl>
+  <dgm:styleLbl name="fgImgPlace1">
+    <dgm:scene3d>
+      <a:camera prst="orthographicFront"/>
+      <a:lightRig rig="threePt" dir="t"/>
+    </dgm:scene3d>
+    <dgm:sp3d/>
+    <dgm:txPr/>
+    <dgm:style>
+      <a:lnRef idx="2">
+        <a:scrgbClr r="0" g="0" b="0"/>
+      </a:lnRef>
+      <a:fillRef idx="1">
+        <a:scrgbClr r="0" g="0" b="0"/>
+      </a:fillRef>
+      <a:effectRef idx="0">
+        <a:scrgbClr r="0" g="0" b="0"/>
+      </a:effectRef>
+      <a:fontRef idx="minor"/>
+    </dgm:style>
+  </dgm:styleLbl>
+  <dgm:styleLbl name="alignImgPlace1">
+    <dgm:scene3d>
+      <a:camera prst="orthographicFront"/>
+      <a:lightRig rig="threePt" dir="t"/>
+    </dgm:scene3d>
+    <dgm:sp3d/>
+    <dgm:txPr/>
+    <dgm:style>
+      <a:lnRef idx="2">
+        <a:scrgbClr r="0" g="0" b="0"/>
+      </a:lnRef>
+      <a:fillRef idx="1">
+        <a:scrgbClr r="0" g="0" b="0"/>
+      </a:fillRef>
+      <a:effectRef idx="0">
+        <a:scrgbClr r="0" g="0" b="0"/>
+      </a:effectRef>
+      <a:fontRef idx="minor"/>
+    </dgm:style>
+  </dgm:styleLbl>
+  <dgm:styleLbl name="bgImgPlace1">
+    <dgm:scene3d>
+      <a:camera prst="orthographicFront"/>
+      <a:lightRig rig="threePt" dir="t"/>
+    </dgm:scene3d>
+    <dgm:sp3d/>
+    <dgm:txPr/>
+    <dgm:style>
+      <a:lnRef idx="2">
+        <a:scrgbClr r="0" g="0" b="0"/>
+      </a:lnRef>
+      <a:fillRef idx="1">
+        <a:scrgbClr r="0" g="0" b="0"/>
+      </a:fillRef>
+      <a:effectRef idx="0">
+        <a:scrgbClr r="0" g="0" b="0"/>
+      </a:effectRef>
+      <a:fontRef idx="minor"/>
+    </dgm:style>
+  </dgm:styleLbl>
+  <dgm:styleLbl name="sibTrans2D1">
+    <dgm:scene3d>
+      <a:camera prst="orthographicFront"/>
+      <a:lightRig rig="threePt" dir="t"/>
+    </dgm:scene3d>
+    <dgm:sp3d/>
+    <dgm:txPr/>
+    <dgm:style>
+      <a:lnRef idx="0">
+        <a:scrgbClr r="0" g="0" b="0"/>
+      </a:lnRef>
+      <a:fillRef idx="1">
+        <a:scrgbClr r="0" g="0" b="0"/>
+      </a:fillRef>
+      <a:effectRef idx="0">
+        <a:scrgbClr r="0" g="0" b="0"/>
+      </a:effectRef>
+      <a:fontRef idx="minor">
+        <a:schemeClr val="lt1"/>
+      </a:fontRef>
+    </dgm:style>
+  </dgm:styleLbl>
+  <dgm:styleLbl name="fgSibTrans2D1">
+    <dgm:scene3d>
+      <a:camera prst="orthographicFront"/>
+      <a:lightRig rig="threePt" dir="t"/>
+    </dgm:scene3d>
+    <dgm:sp3d/>
+    <dgm:txPr/>
+    <dgm:style>
+      <a:lnRef idx="0">
+        <a:scrgbClr r="0" g="0" b="0"/>
+      </a:lnRef>
+      <a:fillRef idx="1">
+        <a:scrgbClr r="0" g="0" b="0"/>
+      </a:fillRef>
+      <a:effectRef idx="0">
+        <a:scrgbClr r="0" g="0" b="0"/>
+      </a:effectRef>
+      <a:fontRef idx="minor">
+        <a:schemeClr val="lt1"/>
+      </a:fontRef>
+    </dgm:style>
+  </dgm:styleLbl>
+  <dgm:styleLbl name="bgSibTrans2D1">
+    <dgm:scene3d>
+      <a:camera prst="orthographicFront"/>
+      <a:lightRig rig="threePt" dir="t"/>
+    </dgm:scene3d>
+    <dgm:sp3d/>
+    <dgm:txPr/>
+    <dgm:style>
+      <a:lnRef idx="0">
+        <a:scrgbClr r="0" g="0" b="0"/>
+      </a:lnRef>
+      <a:fillRef idx="1">
+        <a:scrgbClr r="0" g="0" b="0"/>
+      </a:fillRef>
+      <a:effectRef idx="0">
+        <a:scrgbClr r="0" g="0" b="0"/>
+      </a:effectRef>
+      <a:fontRef idx="minor">
+        <a:schemeClr val="lt1"/>
+      </a:fontRef>
+    </dgm:style>
+  </dgm:styleLbl>
+  <dgm:styleLbl name="sibTrans1D1">
+    <dgm:scene3d>
+      <a:camera prst="orthographicFront"/>
+      <a:lightRig rig="threePt" dir="t"/>
+    </dgm:scene3d>
+    <dgm:sp3d/>
+    <dgm:txPr/>
+    <dgm:style>
+      <a:lnRef idx="1">
+        <a:scrgbClr r="0" g="0" b="0"/>
+      </a:lnRef>
+      <a:fillRef idx="0">
+        <a:scrgbClr r="0" g="0" b="0"/>
+      </a:fillRef>
+      <a:effectRef idx="0">
+        <a:scrgbClr r="0" g="0" b="0"/>
+      </a:effectRef>
+      <a:fontRef idx="minor"/>
+    </dgm:style>
+  </dgm:styleLbl>
+  <dgm:styleLbl name="callout">
+    <dgm:scene3d>
+      <a:camera prst="orthographicFront"/>
+      <a:lightRig rig="threePt" dir="t"/>
+    </dgm:scene3d>
+    <dgm:sp3d/>
+    <dgm:txPr/>
+    <dgm:style>
+      <a:lnRef idx="2">
+        <a:scrgbClr r="0" g="0" b="0"/>
+      </a:lnRef>
+      <a:fillRef idx="1">
+        <a:scrgbClr r="0" g="0" b="0"/>
+      </a:fillRef>
+      <a:effectRef idx="0">
+        <a:scrgbClr r="0" g="0" b="0"/>
+      </a:effectRef>
+      <a:fontRef idx="minor"/>
+    </dgm:style>
+  </dgm:styleLbl>
+  <dgm:styleLbl name="asst0">
+    <dgm:scene3d>
+      <a:camera prst="orthographicFront"/>
+      <a:lightRig rig="threePt" dir="t"/>
+    </dgm:scene3d>
+    <dgm:sp3d/>
+    <dgm:txPr/>
+    <dgm:style>
+      <a:lnRef idx="2">
+        <a:scrgbClr r="0" g="0" b="0"/>
+      </a:lnRef>
+      <a:fillRef idx="1">
+        <a:scrgbClr r="0" g="0" b="0"/>
+      </a:fillRef>
+      <a:effectRef idx="0">
+        <a:scrgbClr r="0" g="0" b="0"/>
+      </a:effectRef>
+      <a:fontRef idx="minor">
+        <a:schemeClr val="lt1"/>
+      </a:fontRef>
+    </dgm:style>
+  </dgm:styleLbl>
+  <dgm:styleLbl name="asst1">
+    <dgm:scene3d>
+      <a:camera prst="orthographicFront"/>
+      <a:lightRig rig="threePt" dir="t"/>
+    </dgm:scene3d>
+    <dgm:sp3d/>
+    <dgm:txPr/>
+    <dgm:style>
+      <a:lnRef idx="2">
+        <a:scrgbClr r="0" g="0" b="0"/>
+      </a:lnRef>
+      <a:fillRef idx="1">
+        <a:scrgbClr r="0" g="0" b="0"/>
+      </a:fillRef>
+      <a:effectRef idx="0">
+        <a:scrgbClr r="0" g="0" b="0"/>
+      </a:effectRef>
+      <a:fontRef idx="minor">
+        <a:schemeClr val="lt1"/>
+      </a:fontRef>
+    </dgm:style>
+  </dgm:styleLbl>
+  <dgm:styleLbl name="asst2">
+    <dgm:scene3d>
+      <a:camera prst="orthographicFront"/>
+      <a:lightRig rig="threePt" dir="t"/>
+    </dgm:scene3d>
+    <dgm:sp3d/>
+    <dgm:txPr/>
+    <dgm:style>
+      <a:lnRef idx="2">
+        <a:scrgbClr r="0" g="0" b="0"/>
+      </a:lnRef>
+      <a:fillRef idx="1">
+        <a:scrgbClr r="0" g="0" b="0"/>
+      </a:fillRef>
+      <a:effectRef idx="0">
+        <a:scrgbClr r="0" g="0" b="0"/>
+      </a:effectRef>
+      <a:fontRef idx="minor">
+        <a:schemeClr val="lt1"/>
+      </a:fontRef>
+    </dgm:style>
+  </dgm:styleLbl>
+  <dgm:styleLbl name="asst3">
+    <dgm:scene3d>
+      <a:camera prst="orthographicFront"/>
+      <a:lightRig rig="threePt" dir="t"/>
+    </dgm:scene3d>
+    <dgm:sp3d/>
+    <dgm:txPr/>
+    <dgm:style>
+      <a:lnRef idx="2">
+        <a:scrgbClr r="0" g="0" b="0"/>
+      </a:lnRef>
+      <a:fillRef idx="1">
+        <a:scrgbClr r="0" g="0" b="0"/>
+      </a:fillRef>
+      <a:effectRef idx="0">
+        <a:scrgbClr r="0" g="0" b="0"/>
+      </a:effectRef>
+      <a:fontRef idx="minor">
+        <a:schemeClr val="lt1"/>
+      </a:fontRef>
+    </dgm:style>
+  </dgm:styleLbl>
+  <dgm:styleLbl name="asst4">
+    <dgm:scene3d>
+      <a:camera prst="orthographicFront"/>
+      <a:lightRig rig="threePt" dir="t"/>
+    </dgm:scene3d>
+    <dgm:sp3d/>
+    <dgm:txPr/>
+    <dgm:style>
+      <a:lnRef idx="2">
+        <a:scrgbClr r="0" g="0" b="0"/>
+      </a:lnRef>
+      <a:fillRef idx="1">
+        <a:scrgbClr r="0" g="0" b="0"/>
+      </a:fillRef>
+      <a:effectRef idx="0">
+        <a:scrgbClr r="0" g="0" b="0"/>
+      </a:effectRef>
+      <a:fontRef idx="minor">
+        <a:schemeClr val="lt1"/>
+      </a:fontRef>
+    </dgm:style>
+  </dgm:styleLbl>
+  <dgm:styleLbl name="parChTrans2D1">
+    <dgm:scene3d>
+      <a:camera prst="orthographicFront"/>
+      <a:lightRig rig="threePt" dir="t"/>
+    </dgm:scene3d>
+    <dgm:sp3d/>
+    <dgm:txPr/>
+    <dgm:style>
+      <a:lnRef idx="2">
+        <a:scrgbClr r="0" g="0" b="0"/>
+      </a:lnRef>
+      <a:fillRef idx="1">
+        <a:scrgbClr r="0" g="0" b="0"/>
+      </a:fillRef>
+      <a:effectRef idx="0">
+        <a:scrgbClr r="0" g="0" b="0"/>
+      </a:effectRef>
+      <a:fontRef idx="minor">
+        <a:schemeClr val="lt1"/>
+      </a:fontRef>
+    </dgm:style>
+  </dgm:styleLbl>
+  <dgm:styleLbl name="parChTrans2D2">
+    <dgm:scene3d>
+      <a:camera prst="orthographicFront"/>
+      <a:lightRig rig="threePt" dir="t"/>
+    </dgm:scene3d>
+    <dgm:sp3d/>
+    <dgm:txPr/>
+    <dgm:style>
+      <a:lnRef idx="2">
+        <a:scrgbClr r="0" g="0" b="0"/>
+      </a:lnRef>
+      <a:fillRef idx="1">
+        <a:scrgbClr r="0" g="0" b="0"/>
+      </a:fillRef>
+      <a:effectRef idx="0">
+        <a:scrgbClr r="0" g="0" b="0"/>
+      </a:effectRef>
+      <a:fontRef idx="minor">
+        <a:schemeClr val="lt1"/>
+      </a:fontRef>
+    </dgm:style>
+  </dgm:styleLbl>
+  <dgm:styleLbl name="parChTrans2D3">
+    <dgm:scene3d>
+      <a:camera prst="orthographicFront"/>
+      <a:lightRig rig="threePt" dir="t"/>
+    </dgm:scene3d>
+    <dgm:sp3d/>
+    <dgm:txPr/>
+    <dgm:style>
+      <a:lnRef idx="2">
+        <a:scrgbClr r="0" g="0" b="0"/>
+      </a:lnRef>
+      <a:fillRef idx="1">
+        <a:scrgbClr r="0" g="0" b="0"/>
+      </a:fillRef>
+      <a:effectRef idx="0">
+        <a:scrgbClr r="0" g="0" b="0"/>
+      </a:effectRef>
+      <a:fontRef idx="minor">
+        <a:schemeClr val="lt1"/>
+      </a:fontRef>
+    </dgm:style>
+  </dgm:styleLbl>
+  <dgm:styleLbl name="parChTrans2D4">
+    <dgm:scene3d>
+      <a:camera prst="orthographicFront"/>
+      <a:lightRig rig="threePt" dir="t"/>
+    </dgm:scene3d>
+    <dgm:sp3d/>
+    <dgm:txPr/>
+    <dgm:style>
+      <a:lnRef idx="2">
+        <a:scrgbClr r="0" g="0" b="0"/>
+      </a:lnRef>
+      <a:fillRef idx="1">
+        <a:scrgbClr r="0" g="0" b="0"/>
+      </a:fillRef>
+      <a:effectRef idx="0">
+        <a:scrgbClr r="0" g="0" b="0"/>
+      </a:effectRef>
+      <a:fontRef idx="minor">
+        <a:schemeClr val="lt1"/>
+      </a:fontRef>
+    </dgm:style>
+  </dgm:styleLbl>
+  <dgm:styleLbl name="parChTrans1D1">
+    <dgm:scene3d>
+      <a:camera prst="orthographicFront"/>
+      <a:lightRig rig="threePt" dir="t"/>
+    </dgm:scene3d>
+    <dgm:sp3d/>
+    <dgm:txPr/>
+    <dgm:style>
+      <a:lnRef idx="2">
+        <a:scrgbClr r="0" g="0" b="0"/>
+      </a:lnRef>
+      <a:fillRef idx="0">
+        <a:scrgbClr r="0" g="0" b="0"/>
+      </a:fillRef>
+      <a:effectRef idx="0">
+        <a:scrgbClr r="0" g="0" b="0"/>
+      </a:effectRef>
+      <a:fontRef idx="minor"/>
+    </dgm:style>
+  </dgm:styleLbl>
+  <dgm:styleLbl name="parChTrans1D2">
+    <dgm:scene3d>
+      <a:camera prst="orthographicFront"/>
+      <a:lightRig rig="threePt" dir="t"/>
+    </dgm:scene3d>
+    <dgm:sp3d/>
+    <dgm:txPr/>
+    <dgm:style>
+      <a:lnRef idx="2">
+        <a:scrgbClr r="0" g="0" b="0"/>
+      </a:lnRef>
+      <a:fillRef idx="0">
+        <a:scrgbClr r="0" g="0" b="0"/>
+      </a:fillRef>
+      <a:effectRef idx="0">
+        <a:scrgbClr r="0" g="0" b="0"/>
+      </a:effectRef>
+      <a:fontRef idx="minor"/>
+    </dgm:style>
+  </dgm:styleLbl>
+  <dgm:styleLbl name="parChTrans1D3">
+    <dgm:scene3d>
+      <a:camera prst="orthographicFront"/>
+      <a:lightRig rig="threePt" dir="t"/>
+    </dgm:scene3d>
+    <dgm:sp3d/>
+    <dgm:txPr/>
+    <dgm:style>
+      <a:lnRef idx="2">
+        <a:scrgbClr r="0" g="0" b="0"/>
+      </a:lnRef>
+      <a:fillRef idx="0">
+        <a:scrgbClr r="0" g="0" b="0"/>
+      </a:fillRef>
+      <a:effectRef idx="0">
+        <a:scrgbClr r="0" g="0" b="0"/>
+      </a:effectRef>
+      <a:fontRef idx="minor"/>
+    </dgm:style>
+  </dgm:styleLbl>
+  <dgm:styleLbl name="parChTrans1D4">
+    <dgm:scene3d>
+      <a:camera prst="orthographicFront"/>
+      <a:lightRig rig="threePt" dir="t"/>
+    </dgm:scene3d>
+    <dgm:sp3d/>
+    <dgm:txPr/>
+    <dgm:style>
+      <a:lnRef idx="2">
+        <a:scrgbClr r="0" g="0" b="0"/>
+      </a:lnRef>
+      <a:fillRef idx="0">
+        <a:scrgbClr r="0" g="0" b="0"/>
+      </a:fillRef>
+      <a:effectRef idx="0">
+        <a:scrgbClr r="0" g="0" b="0"/>
+      </a:effectRef>
+      <a:fontRef idx="minor"/>
+    </dgm:style>
+  </dgm:styleLbl>
+  <dgm:styleLbl name="fgAcc1">
+    <dgm:scene3d>
+      <a:camera prst="orthographicFront"/>
+      <a:lightRig rig="threePt" dir="t"/>
+    </dgm:scene3d>
+    <dgm:sp3d/>
+    <dgm:txPr/>
+    <dgm:style>
+      <a:lnRef idx="2">
+        <a:scrgbClr r="0" g="0" b="0"/>
+      </a:lnRef>
+      <a:fillRef idx="1">
+        <a:scrgbClr r="0" g="0" b="0"/>
+      </a:fillRef>
+      <a:effectRef idx="0">
+        <a:scrgbClr r="0" g="0" b="0"/>
+      </a:effectRef>
+      <a:fontRef idx="minor"/>
+    </dgm:style>
+  </dgm:styleLbl>
+  <dgm:styleLbl name="conFgAcc1">
+    <dgm:scene3d>
+      <a:camera prst="orthographicFront"/>
+      <a:lightRig rig="threePt" dir="t"/>
+    </dgm:scene3d>
+    <dgm:sp3d/>
+    <dgm:txPr/>
+    <dgm:style>
+      <a:lnRef idx="2">
+        <a:scrgbClr r="0" g="0" b="0"/>
+      </a:lnRef>
+      <a:fillRef idx="1">
+        <a:scrgbClr r="0" g="0" b="0"/>
+      </a:fillRef>
+      <a:effectRef idx="0">
+        <a:scrgbClr r="0" g="0" b="0"/>
+      </a:effectRef>
+      <a:fontRef idx="minor"/>
+    </dgm:style>
+  </dgm:styleLbl>
+  <dgm:styleLbl name="alignAcc1">
+    <dgm:scene3d>
+      <a:camera prst="orthographicFront"/>
+      <a:lightRig rig="threePt" dir="t"/>
+    </dgm:scene3d>
+    <dgm:sp3d/>
+    <dgm:txPr/>
+    <dgm:style>
+      <a:lnRef idx="2">
+        <a:scrgbClr r="0" g="0" b="0"/>
+      </a:lnRef>
+      <a:fillRef idx="1">
+        <a:scrgbClr r="0" g="0" b="0"/>
+      </a:fillRef>
+      <a:effectRef idx="0">
+        <a:scrgbClr r="0" g="0" b="0"/>
+      </a:effectRef>
+      <a:fontRef idx="minor"/>
+    </dgm:style>
+  </dgm:styleLbl>
+  <dgm:styleLbl name="trAlignAcc1">
+    <dgm:scene3d>
+      <a:camera prst="orthographicFront"/>
+      <a:lightRig rig="threePt" dir="t"/>
+    </dgm:scene3d>
+    <dgm:sp3d/>
+    <dgm:txPr/>
+    <dgm:style>
+      <a:lnRef idx="1">
+        <a:scrgbClr r="0" g="0" b="0"/>
+      </a:lnRef>
+      <a:fillRef idx="1">
+        <a:scrgbClr r="0" g="0" b="0"/>
+      </a:fillRef>
+      <a:effectRef idx="0">
+        <a:scrgbClr r="0" g="0" b="0"/>
+      </a:effectRef>
+      <a:fontRef idx="minor"/>
+    </dgm:style>
+  </dgm:styleLbl>
+  <dgm:styleLbl name="bgAcc1">
+    <dgm:scene3d>
+      <a:camera prst="orthographicFront"/>
+      <a:lightRig rig="threePt" dir="t"/>
+    </dgm:scene3d>
+    <dgm:sp3d/>
+    <dgm:txPr/>
+    <dgm:style>
+      <a:lnRef idx="2">
+        <a:scrgbClr r="0" g="0" b="0"/>
+      </a:lnRef>
+      <a:fillRef idx="1">
+        <a:scrgbClr r="0" g="0" b="0"/>
+      </a:fillRef>
+      <a:effectRef idx="0">
+        <a:scrgbClr r="0" g="0" b="0"/>
+      </a:effectRef>
+      <a:fontRef idx="minor"/>
+    </dgm:style>
+  </dgm:styleLbl>
+  <dgm:styleLbl name="solidFgAcc1">
+    <dgm:scene3d>
+      <a:camera prst="orthographicFront"/>
+      <a:lightRig rig="threePt" dir="t"/>
+    </dgm:scene3d>
+    <dgm:sp3d/>
+    <dgm:txPr/>
+    <dgm:style>
+      <a:lnRef idx="2">
+        <a:scrgbClr r="0" g="0" b="0"/>
+      </a:lnRef>
+      <a:fillRef idx="1">
+        <a:scrgbClr r="0" g="0" b="0"/>
+      </a:fillRef>
+      <a:effectRef idx="0">
+        <a:scrgbClr r="0" g="0" b="0"/>
+      </a:effectRef>
+      <a:fontRef idx="minor"/>
+    </dgm:style>
+  </dgm:styleLbl>
+  <dgm:styleLbl name="solidAlignAcc1">
+    <dgm:scene3d>
+      <a:camera prst="orthographicFront"/>
+      <a:lightRig rig="threePt" dir="t"/>
+    </dgm:scene3d>
+    <dgm:sp3d/>
+    <dgm:txPr/>
+    <dgm:style>
+      <a:lnRef idx="2">
+        <a:scrgbClr r="0" g="0" b="0"/>
+      </a:lnRef>
+      <a:fillRef idx="1">
+        <a:scrgbClr r="0" g="0" b="0"/>
+      </a:fillRef>
+      <a:effectRef idx="0">
+        <a:scrgbClr r="0" g="0" b="0"/>
+      </a:effectRef>
+      <a:fontRef idx="minor"/>
+    </dgm:style>
+  </dgm:styleLbl>
+  <dgm:styleLbl name="solidBgAcc1">
+    <dgm:scene3d>
+      <a:camera prst="orthographicFront"/>
+      <a:lightRig rig="threePt" dir="t"/>
+    </dgm:scene3d>
+    <dgm:sp3d/>
+    <dgm:txPr/>
+    <dgm:style>
+      <a:lnRef idx="2">
+        <a:scrgbClr r="0" g="0" b="0"/>
+      </a:lnRef>
+      <a:fillRef idx="1">
+        <a:scrgbClr r="0" g="0" b="0"/>
+      </a:fillRef>
+      <a:effectRef idx="0">
+        <a:scrgbClr r="0" g="0" b="0"/>
+      </a:effectRef>
+      <a:fontRef idx="minor"/>
+    </dgm:style>
+  </dgm:styleLbl>
+  <dgm:styleLbl name="fgAccFollowNode1">
+    <dgm:scene3d>
+      <a:camera prst="orthographicFront"/>
+      <a:lightRig rig="threePt" dir="t"/>
+    </dgm:scene3d>
+    <dgm:sp3d/>
+    <dgm:txPr/>
+    <dgm:style>
+      <a:lnRef idx="2">
+        <a:scrgbClr r="0" g="0" b="0"/>
+      </a:lnRef>
+      <a:fillRef idx="1">
+        <a:scrgbClr r="0" g="0" b="0"/>
+      </a:fillRef>
+      <a:effectRef idx="0">
+        <a:scrgbClr r="0" g="0" b="0"/>
+      </a:effectRef>
+      <a:fontRef idx="minor"/>
+    </dgm:style>
+  </dgm:styleLbl>
+  <dgm:styleLbl name="alignAccFollowNode1">
+    <dgm:scene3d>
+      <a:camera prst="orthographicFront"/>
+      <a:lightRig rig="threePt" dir="t"/>
+    </dgm:scene3d>
+    <dgm:sp3d/>
+    <dgm:txPr/>
+    <dgm:style>
+      <a:lnRef idx="2">
+        <a:scrgbClr r="0" g="0" b="0"/>
+      </a:lnRef>
+      <a:fillRef idx="1">
+        <a:scrgbClr r="0" g="0" b="0"/>
+      </a:fillRef>
+      <a:effectRef idx="0">
+        <a:scrgbClr r="0" g="0" b="0"/>
+      </a:effectRef>
+      <a:fontRef idx="minor"/>
+    </dgm:style>
+  </dgm:styleLbl>
+  <dgm:styleLbl name="bgAccFollowNode1">
+    <dgm:scene3d>
+      <a:camera prst="orthographicFront"/>
+      <a:lightRig rig="threePt" dir="t"/>
+    </dgm:scene3d>
+    <dgm:sp3d/>
+    <dgm:txPr/>
+    <dgm:style>
+      <a:lnRef idx="2">
+        <a:scrgbClr r="0" g="0" b="0"/>
+      </a:lnRef>
+      <a:fillRef idx="1">
+        <a:scrgbClr r="0" g="0" b="0"/>
+      </a:fillRef>
+      <a:effectRef idx="0">
+        <a:scrgbClr r="0" g="0" b="0"/>
+      </a:effectRef>
+      <a:fontRef idx="minor"/>
+    </dgm:style>
+  </dgm:styleLbl>
+  <dgm:styleLbl name="fgAcc0">
+    <dgm:scene3d>
+      <a:camera prst="orthographicFront"/>
+      <a:lightRig rig="threePt" dir="t"/>
+    </dgm:scene3d>
+    <dgm:sp3d/>
+    <dgm:txPr/>
+    <dgm:style>
+      <a:lnRef idx="2">
+        <a:scrgbClr r="0" g="0" b="0"/>
+      </a:lnRef>
+      <a:fillRef idx="1">
+        <a:scrgbClr r="0" g="0" b="0"/>
+      </a:fillRef>
+      <a:effectRef idx="0">
+        <a:scrgbClr r="0" g="0" b="0"/>
+      </a:effectRef>
+      <a:fontRef idx="minor"/>
+    </dgm:style>
+  </dgm:styleLbl>
+  <dgm:styleLbl name="fgAcc2">
+    <dgm:scene3d>
+      <a:camera prst="orthographicFront"/>
+      <a:lightRig rig="threePt" dir="t"/>
+    </dgm:scene3d>
+    <dgm:sp3d/>
+    <dgm:txPr/>
+    <dgm:style>
+      <a:lnRef idx="2">
+        <a:scrgbClr r="0" g="0" b="0"/>
+      </a:lnRef>
+      <a:fillRef idx="1">
+        <a:scrgbClr r="0" g="0" b="0"/>
+      </a:fillRef>
+      <a:effectRef idx="0">
+        <a:scrgbClr r="0" g="0" b="0"/>
+      </a:effectRef>
+      <a:fontRef idx="minor"/>
+    </dgm:style>
+  </dgm:styleLbl>
+  <dgm:styleLbl name="fgAcc3">
+    <dgm:scene3d>
+      <a:camera prst="orthographicFront"/>
+      <a:lightRig rig="threePt" dir="t"/>
+    </dgm:scene3d>
+    <dgm:sp3d/>
+    <dgm:txPr/>
+    <dgm:style>
+      <a:lnRef idx="2">
+        <a:scrgbClr r="0" g="0" b="0"/>
+      </a:lnRef>
+      <a:fillRef idx="1">
+        <a:scrgbClr r="0" g="0" b="0"/>
+      </a:fillRef>
+      <a:effectRef idx="0">
+        <a:scrgbClr r="0" g="0" b="0"/>
+      </a:effectRef>
+      <a:fontRef idx="minor"/>
+    </dgm:style>
+  </dgm:styleLbl>
+  <dgm:styleLbl name="fgAcc4">
+    <dgm:scene3d>
+      <a:camera prst="orthographicFront"/>
+      <a:lightRig rig="threePt" dir="t"/>
+    </dgm:scene3d>
+    <dgm:sp3d/>
+    <dgm:txPr/>
+    <dgm:style>
+      <a:lnRef idx="2">
+        <a:scrgbClr r="0" g="0" b="0"/>
+      </a:lnRef>
+      <a:fillRef idx="1">
+        <a:scrgbClr r="0" g="0" b="0"/>
+      </a:fillRef>
+      <a:effectRef idx="0">
+        <a:scrgbClr r="0" g="0" b="0"/>
+      </a:effectRef>
+      <a:fontRef idx="minor"/>
+    </dgm:style>
+  </dgm:styleLbl>
+  <dgm:styleLbl name="bgShp">
+    <dgm:scene3d>
+      <a:camera prst="orthographicFront"/>
+      <a:lightRig rig="threePt" dir="t"/>
+    </dgm:scene3d>
+    <dgm:sp3d/>
+    <dgm:txPr/>
+    <dgm:style>
+      <a:lnRef idx="0">
+        <a:scrgbClr r="0" g="0" b="0"/>
+      </a:lnRef>
+      <a:fillRef idx="1">
+        <a:scrgbClr r="0" g="0" b="0"/>
+      </a:fillRef>
+      <a:effectRef idx="0">
+        <a:scrgbClr r="0" g="0" b="0"/>
+      </a:effectRef>
+      <a:fontRef idx="minor"/>
+    </dgm:style>
+  </dgm:styleLbl>
+  <dgm:styleLbl name="dkBgShp">
+    <dgm:scene3d>
+      <a:camera prst="orthographicFront"/>
+      <a:lightRig rig="threePt" dir="t"/>
+    </dgm:scene3d>
+    <dgm:sp3d/>
+    <dgm:txPr/>
+    <dgm:style>
+      <a:lnRef idx="0">
+        <a:scrgbClr r="0" g="0" b="0"/>
+      </a:lnRef>
+      <a:fillRef idx="1">
+        <a:scrgbClr r="0" g="0" b="0"/>
+      </a:fillRef>
+      <a:effectRef idx="0">
+        <a:scrgbClr r="0" g="0" b="0"/>
+      </a:effectRef>
+      <a:fontRef idx="minor"/>
+    </dgm:style>
+  </dgm:styleLbl>
+  <dgm:styleLbl name="trBgShp">
+    <dgm:scene3d>
+      <a:camera prst="orthographicFront"/>
+      <a:lightRig rig="threePt" dir="t"/>
+    </dgm:scene3d>
+    <dgm:sp3d/>
+    <dgm:txPr/>
+    <dgm:style>
+      <a:lnRef idx="0">
+        <a:scrgbClr r="0" g="0" b="0"/>
+      </a:lnRef>
+      <a:fillRef idx="1">
+        <a:scrgbClr r="0" g="0" b="0"/>
+      </a:fillRef>
+      <a:effectRef idx="0">
+        <a:scrgbClr r="0" g="0" b="0"/>
+      </a:effectRef>
+      <a:fontRef idx="minor"/>
+    </dgm:style>
+  </dgm:styleLbl>
+  <dgm:styleLbl name="fgShp">
+    <dgm:scene3d>
+      <a:camera prst="orthographicFront"/>
+      <a:lightRig rig="threePt" dir="t"/>
+    </dgm:scene3d>
+    <dgm:sp3d/>
+    <dgm:txPr/>
+    <dgm:style>
+      <a:lnRef idx="2">
+        <a:scrgbClr r="0" g="0" b="0"/>
+      </a:lnRef>
+      <a:fillRef idx="1">
+        <a:scrgbClr r="0" g="0" b="0"/>
+      </a:fillRef>
+      <a:effectRef idx="0">
+        <a:scrgbClr r="0" g="0" b="0"/>
+      </a:effectRef>
+      <a:fontRef idx="minor"/>
+    </dgm:style>
+  </dgm:styleLbl>
+  <dgm:styleLbl name="revTx">
+    <dgm:scene3d>
+      <a:camera prst="orthographicFront"/>
+      <a:lightRig rig="threePt" dir="t"/>
+    </dgm:scene3d>
+    <dgm:sp3d/>
+    <dgm:txPr/>
+    <dgm:style>
+      <a:lnRef idx="0">
+        <a:scrgbClr r="0" g="0" b="0"/>
+      </a:lnRef>
+      <a:fillRef idx="0">
+        <a:scrgbClr r="0" g="0" b="0"/>
+      </a:fillRef>
+      <a:effectRef idx="0">
+        <a:scrgbClr r="0" g="0" b="0"/>
+      </a:effectRef>
+      <a:fontRef idx="minor"/>
+    </dgm:style>
+  </dgm:styleLbl>
+</dgm:styleDef>
 </file>
 
 <file path=ppt/slideLayouts/slideLayout1.xml><?xml version="1.0" encoding="utf-8"?>
@@ -278,7 +2860,7 @@
           <a:p>
             <a:fld id="{4BAEF67D-ECC0-43BE-81D0-02F4D6CDCF27}" type="datetimeFigureOut">
               <a:rPr lang="en-CA" smtClean="0"/>
-              <a:t>2024-01-06</a:t>
+              <a:t>2024-01-28</a:t>
             </a:fld>
             <a:endParaRPr lang="en-CA" dirty="0"/>
           </a:p>
@@ -478,7 +3060,7 @@
           <a:p>
             <a:fld id="{4BAEF67D-ECC0-43BE-81D0-02F4D6CDCF27}" type="datetimeFigureOut">
               <a:rPr lang="en-CA" smtClean="0"/>
-              <a:t>2024-01-06</a:t>
+              <a:t>2024-01-28</a:t>
             </a:fld>
             <a:endParaRPr lang="en-CA" dirty="0"/>
           </a:p>
@@ -688,7 +3270,7 @@
           <a:p>
             <a:fld id="{4BAEF67D-ECC0-43BE-81D0-02F4D6CDCF27}" type="datetimeFigureOut">
               <a:rPr lang="en-CA" smtClean="0"/>
-              <a:t>2024-01-06</a:t>
+              <a:t>2024-01-28</a:t>
             </a:fld>
             <a:endParaRPr lang="en-CA" dirty="0"/>
           </a:p>
@@ -888,7 +3470,7 @@
           <a:p>
             <a:fld id="{4BAEF67D-ECC0-43BE-81D0-02F4D6CDCF27}" type="datetimeFigureOut">
               <a:rPr lang="en-CA" smtClean="0"/>
-              <a:t>2024-01-06</a:t>
+              <a:t>2024-01-28</a:t>
             </a:fld>
             <a:endParaRPr lang="en-CA" dirty="0"/>
           </a:p>
@@ -1164,7 +3746,7 @@
           <a:p>
             <a:fld id="{4BAEF67D-ECC0-43BE-81D0-02F4D6CDCF27}" type="datetimeFigureOut">
               <a:rPr lang="en-CA" smtClean="0"/>
-              <a:t>2024-01-06</a:t>
+              <a:t>2024-01-28</a:t>
             </a:fld>
             <a:endParaRPr lang="en-CA" dirty="0"/>
           </a:p>
@@ -1432,7 +4014,7 @@
           <a:p>
             <a:fld id="{4BAEF67D-ECC0-43BE-81D0-02F4D6CDCF27}" type="datetimeFigureOut">
               <a:rPr lang="en-CA" smtClean="0"/>
-              <a:t>2024-01-06</a:t>
+              <a:t>2024-01-28</a:t>
             </a:fld>
             <a:endParaRPr lang="en-CA" dirty="0"/>
           </a:p>
@@ -1847,7 +4429,7 @@
           <a:p>
             <a:fld id="{4BAEF67D-ECC0-43BE-81D0-02F4D6CDCF27}" type="datetimeFigureOut">
               <a:rPr lang="en-CA" smtClean="0"/>
-              <a:t>2024-01-06</a:t>
+              <a:t>2024-01-28</a:t>
             </a:fld>
             <a:endParaRPr lang="en-CA" dirty="0"/>
           </a:p>
@@ -1989,7 +4571,7 @@
           <a:p>
             <a:fld id="{4BAEF67D-ECC0-43BE-81D0-02F4D6CDCF27}" type="datetimeFigureOut">
               <a:rPr lang="en-CA" smtClean="0"/>
-              <a:t>2024-01-06</a:t>
+              <a:t>2024-01-28</a:t>
             </a:fld>
             <a:endParaRPr lang="en-CA" dirty="0"/>
           </a:p>
@@ -2102,7 +4684,7 @@
           <a:p>
             <a:fld id="{4BAEF67D-ECC0-43BE-81D0-02F4D6CDCF27}" type="datetimeFigureOut">
               <a:rPr lang="en-CA" smtClean="0"/>
-              <a:t>2024-01-06</a:t>
+              <a:t>2024-01-28</a:t>
             </a:fld>
             <a:endParaRPr lang="en-CA" dirty="0"/>
           </a:p>
@@ -2415,7 +4997,7 @@
           <a:p>
             <a:fld id="{4BAEF67D-ECC0-43BE-81D0-02F4D6CDCF27}" type="datetimeFigureOut">
               <a:rPr lang="en-CA" smtClean="0"/>
-              <a:t>2024-01-06</a:t>
+              <a:t>2024-01-28</a:t>
             </a:fld>
             <a:endParaRPr lang="en-CA" dirty="0"/>
           </a:p>
@@ -2704,7 +5286,7 @@
           <a:p>
             <a:fld id="{4BAEF67D-ECC0-43BE-81D0-02F4D6CDCF27}" type="datetimeFigureOut">
               <a:rPr lang="en-CA" smtClean="0"/>
-              <a:t>2024-01-06</a:t>
+              <a:t>2024-01-28</a:t>
             </a:fld>
             <a:endParaRPr lang="en-CA" dirty="0"/>
           </a:p>
@@ -2947,7 +5529,7 @@
           <a:p>
             <a:fld id="{4BAEF67D-ECC0-43BE-81D0-02F4D6CDCF27}" type="datetimeFigureOut">
               <a:rPr lang="en-CA" smtClean="0"/>
-              <a:t>2024-01-06</a:t>
+              <a:t>2024-01-28</a:t>
             </a:fld>
             <a:endParaRPr lang="en-CA" dirty="0"/>
           </a:p>
@@ -4487,6 +7069,513 @@
 </p:sld>
 </file>
 
+<file path=ppt/slides/slide4.xml><?xml version="1.0" encoding="utf-8"?>
+<p:sld xmlns:a="http://schemas.openxmlformats.org/drawingml/2006/main" xmlns:r="http://schemas.openxmlformats.org/officeDocument/2006/relationships" xmlns:p="http://schemas.openxmlformats.org/presentationml/2006/main">
+  <p:cSld>
+    <p:bg>
+      <p:bgPr>
+        <a:solidFill>
+          <a:schemeClr val="tx1"/>
+        </a:solidFill>
+        <a:effectLst/>
+      </p:bgPr>
+    </p:bg>
+    <p:spTree>
+      <p:nvGrpSpPr>
+        <p:cNvPr id="1" name=""/>
+        <p:cNvGrpSpPr/>
+        <p:nvPr/>
+      </p:nvGrpSpPr>
+      <p:grpSpPr>
+        <a:xfrm>
+          <a:off x="0" y="0"/>
+          <a:ext cx="0" cy="0"/>
+          <a:chOff x="0" y="0"/>
+          <a:chExt cx="0" cy="0"/>
+        </a:xfrm>
+      </p:grpSpPr>
+      <p:sp useBgFill="1">
+        <p:nvSpPr>
+          <p:cNvPr id="20" name="Rectangle 19">
+            <a:extLst>
+              <a:ext uri="{FF2B5EF4-FFF2-40B4-BE49-F238E27FC236}">
+                <a16:creationId xmlns:a16="http://schemas.microsoft.com/office/drawing/2014/main" id="{56E9B3E6-E277-4D68-BA48-9CB43FFBD6E2}"/>
+              </a:ext>
+              <a:ext uri="{C183D7F6-B498-43B3-948B-1728B52AA6E4}">
+                <adec:decorative xmlns:adec="http://schemas.microsoft.com/office/drawing/2017/decorative" val="1"/>
+              </a:ext>
+            </a:extLst>
+          </p:cNvPr>
+          <p:cNvSpPr>
+            <a:spLocks noGrp="1" noRot="1" noChangeAspect="1" noMove="1" noResize="1" noEditPoints="1" noAdjustHandles="1" noChangeArrowheads="1" noChangeShapeType="1" noTextEdit="1"/>
+          </p:cNvSpPr>
+          <p:nvPr>
+            <p:extLst>
+              <p:ext uri="{386F3935-93C4-4BCD-93E2-E3B085C9AB24}">
+                <p16:designElem xmlns:p16="http://schemas.microsoft.com/office/powerpoint/2015/main" val="1"/>
+              </p:ext>
+            </p:extLst>
+          </p:nvPr>
+        </p:nvSpPr>
+        <p:spPr>
+          <a:xfrm>
+            <a:off x="0" y="0"/>
+            <a:ext cx="12191999" cy="6857365"/>
+          </a:xfrm>
+          <a:prstGeom prst="rect">
+            <a:avLst/>
+          </a:prstGeom>
+          <a:ln>
+            <a:noFill/>
+          </a:ln>
+        </p:spPr>
+        <p:style>
+          <a:lnRef idx="2">
+            <a:schemeClr val="accent1">
+              <a:shade val="50000"/>
+            </a:schemeClr>
+          </a:lnRef>
+          <a:fillRef idx="1">
+            <a:schemeClr val="accent1"/>
+          </a:fillRef>
+          <a:effectRef idx="0">
+            <a:schemeClr val="accent1"/>
+          </a:effectRef>
+          <a:fontRef idx="minor">
+            <a:schemeClr val="lt1"/>
+          </a:fontRef>
+        </p:style>
+        <p:txBody>
+          <a:bodyPr rtlCol="0" anchor="ctr"/>
+          <a:lstStyle/>
+          <a:p>
+            <a:pPr algn="ctr"/>
+            <a:endParaRPr lang="en-US"/>
+          </a:p>
+        </p:txBody>
+      </p:sp>
+      <p:grpSp>
+        <p:nvGrpSpPr>
+          <p:cNvPr id="22" name="Group 21">
+            <a:extLst>
+              <a:ext uri="{FF2B5EF4-FFF2-40B4-BE49-F238E27FC236}">
+                <a16:creationId xmlns:a16="http://schemas.microsoft.com/office/drawing/2014/main" id="{AE1C45F0-260A-458C-96ED-C1F6D2151219}"/>
+              </a:ext>
+              <a:ext uri="{C183D7F6-B498-43B3-948B-1728B52AA6E4}">
+                <adec:decorative xmlns:adec="http://schemas.microsoft.com/office/drawing/2017/decorative" val="1"/>
+              </a:ext>
+            </a:extLst>
+          </p:cNvPr>
+          <p:cNvGrpSpPr>
+            <a:grpSpLocks noGrp="1" noUngrp="1" noRot="1" noChangeAspect="1" noMove="1" noResize="1"/>
+          </p:cNvGrpSpPr>
+          <p:nvPr>
+            <p:extLst>
+              <p:ext uri="{386F3935-93C4-4BCD-93E2-E3B085C9AB24}">
+                <p16:designElem xmlns:p16="http://schemas.microsoft.com/office/powerpoint/2015/main" val="1"/>
+              </p:ext>
+            </p:extLst>
+          </p:nvPr>
+        </p:nvGrpSpPr>
+        <p:grpSpPr>
+          <a:xfrm>
+            <a:off x="4" y="1216597"/>
+            <a:ext cx="731521" cy="673460"/>
+            <a:chOff x="3940602" y="308034"/>
+            <a:chExt cx="2116791" cy="3428999"/>
+          </a:xfrm>
+          <a:solidFill>
+            <a:schemeClr val="accent4"/>
+          </a:solidFill>
+        </p:grpSpPr>
+        <p:sp>
+          <p:nvSpPr>
+            <p:cNvPr id="23" name="Rectangle 22">
+              <a:extLst>
+                <a:ext uri="{FF2B5EF4-FFF2-40B4-BE49-F238E27FC236}">
+                  <a16:creationId xmlns:a16="http://schemas.microsoft.com/office/drawing/2014/main" id="{A6604B49-AD5C-4590-B051-06C8222ECD99}"/>
+                </a:ext>
+                <a:ext uri="{C183D7F6-B498-43B3-948B-1728B52AA6E4}">
+                  <adec:decorative xmlns:adec="http://schemas.microsoft.com/office/drawing/2017/decorative" val="1"/>
+                </a:ext>
+              </a:extLst>
+            </p:cNvPr>
+            <p:cNvSpPr/>
+            <p:nvPr>
+              <p:extLst>
+                <p:ext uri="{386F3935-93C4-4BCD-93E2-E3B085C9AB24}">
+                  <p16:designElem xmlns:p16="http://schemas.microsoft.com/office/powerpoint/2015/main" val="1"/>
+                </p:ext>
+              </p:extLst>
+            </p:nvPr>
+          </p:nvSpPr>
+          <p:spPr>
+            <a:xfrm>
+              <a:off x="3940602" y="308034"/>
+              <a:ext cx="566743" cy="3428999"/>
+            </a:xfrm>
+            <a:prstGeom prst="rect">
+              <a:avLst/>
+            </a:prstGeom>
+            <a:grpFill/>
+            <a:ln>
+              <a:noFill/>
+            </a:ln>
+          </p:spPr>
+          <p:style>
+            <a:lnRef idx="2">
+              <a:schemeClr val="accent1">
+                <a:shade val="50000"/>
+              </a:schemeClr>
+            </a:lnRef>
+            <a:fillRef idx="1">
+              <a:schemeClr val="accent1"/>
+            </a:fillRef>
+            <a:effectRef idx="0">
+              <a:schemeClr val="accent1"/>
+            </a:effectRef>
+            <a:fontRef idx="minor">
+              <a:schemeClr val="lt1"/>
+            </a:fontRef>
+          </p:style>
+          <p:txBody>
+            <a:bodyPr rtlCol="0" anchor="ctr"/>
+            <a:lstStyle/>
+            <a:p>
+              <a:pPr algn="ctr"/>
+              <a:endParaRPr lang="en-US"/>
+            </a:p>
+          </p:txBody>
+        </p:sp>
+        <p:sp>
+          <p:nvSpPr>
+            <p:cNvPr id="24" name="Rectangle 23">
+              <a:extLst>
+                <a:ext uri="{FF2B5EF4-FFF2-40B4-BE49-F238E27FC236}">
+                  <a16:creationId xmlns:a16="http://schemas.microsoft.com/office/drawing/2014/main" id="{743ECCAF-29C5-4537-947C-7EA1292463DB}"/>
+                </a:ext>
+                <a:ext uri="{C183D7F6-B498-43B3-948B-1728B52AA6E4}">
+                  <adec:decorative xmlns:adec="http://schemas.microsoft.com/office/drawing/2017/decorative" val="1"/>
+                </a:ext>
+              </a:extLst>
+            </p:cNvPr>
+            <p:cNvSpPr/>
+            <p:nvPr>
+              <p:extLst>
+                <p:ext uri="{386F3935-93C4-4BCD-93E2-E3B085C9AB24}">
+                  <p16:designElem xmlns:p16="http://schemas.microsoft.com/office/powerpoint/2015/main" val="1"/>
+                </p:ext>
+              </p:extLst>
+            </p:nvPr>
+          </p:nvSpPr>
+          <p:spPr>
+            <a:xfrm>
+              <a:off x="4715626" y="308034"/>
+              <a:ext cx="566743" cy="3428999"/>
+            </a:xfrm>
+            <a:prstGeom prst="rect">
+              <a:avLst/>
+            </a:prstGeom>
+            <a:grpFill/>
+            <a:ln>
+              <a:noFill/>
+            </a:ln>
+          </p:spPr>
+          <p:style>
+            <a:lnRef idx="2">
+              <a:schemeClr val="accent1">
+                <a:shade val="50000"/>
+              </a:schemeClr>
+            </a:lnRef>
+            <a:fillRef idx="1">
+              <a:schemeClr val="accent1"/>
+            </a:fillRef>
+            <a:effectRef idx="0">
+              <a:schemeClr val="accent1"/>
+            </a:effectRef>
+            <a:fontRef idx="minor">
+              <a:schemeClr val="lt1"/>
+            </a:fontRef>
+          </p:style>
+          <p:txBody>
+            <a:bodyPr rtlCol="0" anchor="ctr"/>
+            <a:lstStyle/>
+            <a:p>
+              <a:pPr algn="ctr"/>
+              <a:endParaRPr lang="en-US"/>
+            </a:p>
+          </p:txBody>
+        </p:sp>
+        <p:sp>
+          <p:nvSpPr>
+            <p:cNvPr id="25" name="Rectangle 24">
+              <a:extLst>
+                <a:ext uri="{FF2B5EF4-FFF2-40B4-BE49-F238E27FC236}">
+                  <a16:creationId xmlns:a16="http://schemas.microsoft.com/office/drawing/2014/main" id="{ED49787B-8DE6-4467-AD0A-8DECC6E0C2D6}"/>
+                </a:ext>
+                <a:ext uri="{C183D7F6-B498-43B3-948B-1728B52AA6E4}">
+                  <adec:decorative xmlns:adec="http://schemas.microsoft.com/office/drawing/2017/decorative" val="1"/>
+                </a:ext>
+              </a:extLst>
+            </p:cNvPr>
+            <p:cNvSpPr/>
+            <p:nvPr>
+              <p:extLst>
+                <p:ext uri="{386F3935-93C4-4BCD-93E2-E3B085C9AB24}">
+                  <p16:designElem xmlns:p16="http://schemas.microsoft.com/office/powerpoint/2015/main" val="1"/>
+                </p:ext>
+              </p:extLst>
+            </p:nvPr>
+          </p:nvSpPr>
+          <p:spPr>
+            <a:xfrm>
+              <a:off x="5490650" y="308034"/>
+              <a:ext cx="566743" cy="3428999"/>
+            </a:xfrm>
+            <a:prstGeom prst="rect">
+              <a:avLst/>
+            </a:prstGeom>
+            <a:grpFill/>
+            <a:ln>
+              <a:noFill/>
+            </a:ln>
+          </p:spPr>
+          <p:style>
+            <a:lnRef idx="2">
+              <a:schemeClr val="accent1">
+                <a:shade val="50000"/>
+              </a:schemeClr>
+            </a:lnRef>
+            <a:fillRef idx="1">
+              <a:schemeClr val="accent1"/>
+            </a:fillRef>
+            <a:effectRef idx="0">
+              <a:schemeClr val="accent1"/>
+            </a:effectRef>
+            <a:fontRef idx="minor">
+              <a:schemeClr val="lt1"/>
+            </a:fontRef>
+          </p:style>
+          <p:txBody>
+            <a:bodyPr rtlCol="0" anchor="ctr"/>
+            <a:lstStyle/>
+            <a:p>
+              <a:pPr algn="ctr"/>
+              <a:endParaRPr lang="en-US"/>
+            </a:p>
+          </p:txBody>
+        </p:sp>
+      </p:grpSp>
+      <p:sp>
+        <p:nvSpPr>
+          <p:cNvPr id="27" name="Rectangle 26">
+            <a:extLst>
+              <a:ext uri="{FF2B5EF4-FFF2-40B4-BE49-F238E27FC236}">
+                <a16:creationId xmlns:a16="http://schemas.microsoft.com/office/drawing/2014/main" id="{D5B0017B-2ECA-49AF-B397-DC140825DF8D}"/>
+              </a:ext>
+              <a:ext uri="{C183D7F6-B498-43B3-948B-1728B52AA6E4}">
+                <adec:decorative xmlns:adec="http://schemas.microsoft.com/office/drawing/2017/decorative" val="1"/>
+              </a:ext>
+            </a:extLst>
+          </p:cNvPr>
+          <p:cNvSpPr>
+            <a:spLocks noGrp="1" noRot="1" noChangeAspect="1" noMove="1" noResize="1" noEditPoints="1" noAdjustHandles="1" noChangeArrowheads="1" noChangeShapeType="1" noTextEdit="1"/>
+          </p:cNvSpPr>
+          <p:nvPr>
+            <p:extLst>
+              <p:ext uri="{386F3935-93C4-4BCD-93E2-E3B085C9AB24}">
+                <p16:designElem xmlns:p16="http://schemas.microsoft.com/office/powerpoint/2015/main" val="1"/>
+              </p:ext>
+            </p:extLst>
+          </p:nvPr>
+        </p:nvSpPr>
+        <p:spPr>
+          <a:xfrm>
+            <a:off x="640079" y="613954"/>
+            <a:ext cx="10907487" cy="1894116"/>
+          </a:xfrm>
+          <a:prstGeom prst="rect">
+            <a:avLst/>
+          </a:prstGeom>
+          <a:solidFill>
+            <a:schemeClr val="bg1"/>
+          </a:solidFill>
+          <a:ln>
+            <a:noFill/>
+          </a:ln>
+          <a:effectLst>
+            <a:outerShdw blurRad="139700" dist="127000" dir="5400000" algn="t" rotWithShape="0">
+              <a:prstClr val="black">
+                <a:alpha val="15000"/>
+              </a:prstClr>
+            </a:outerShdw>
+          </a:effectLst>
+        </p:spPr>
+        <p:style>
+          <a:lnRef idx="2">
+            <a:schemeClr val="accent1">
+              <a:shade val="50000"/>
+            </a:schemeClr>
+          </a:lnRef>
+          <a:fillRef idx="1">
+            <a:schemeClr val="accent1"/>
+          </a:fillRef>
+          <a:effectRef idx="0">
+            <a:schemeClr val="accent1"/>
+          </a:effectRef>
+          <a:fontRef idx="minor">
+            <a:schemeClr val="lt1"/>
+          </a:fontRef>
+        </p:style>
+        <p:txBody>
+          <a:bodyPr rtlCol="0" anchor="ctr"/>
+          <a:lstStyle/>
+          <a:p>
+            <a:pPr algn="ctr"/>
+            <a:endParaRPr lang="en-US"/>
+          </a:p>
+        </p:txBody>
+      </p:sp>
+      <p:sp>
+        <p:nvSpPr>
+          <p:cNvPr id="4" name="Title 3">
+            <a:extLst>
+              <a:ext uri="{FF2B5EF4-FFF2-40B4-BE49-F238E27FC236}">
+                <a16:creationId xmlns:a16="http://schemas.microsoft.com/office/drawing/2014/main" id="{1B7C0853-530B-D0F2-0712-CED74059803A}"/>
+              </a:ext>
+            </a:extLst>
+          </p:cNvPr>
+          <p:cNvSpPr>
+            <a:spLocks noGrp="1"/>
+          </p:cNvSpPr>
+          <p:nvPr>
+            <p:ph type="title"/>
+          </p:nvPr>
+        </p:nvSpPr>
+        <p:spPr>
+          <a:xfrm>
+            <a:off x="1043631" y="809898"/>
+            <a:ext cx="10173010" cy="1554480"/>
+          </a:xfrm>
+          <a:solidFill>
+            <a:schemeClr val="accent4">
+              <a:lumMod val="60000"/>
+              <a:lumOff val="40000"/>
+            </a:schemeClr>
+          </a:solidFill>
+          <a:effectLst>
+            <a:glow rad="101600">
+              <a:schemeClr val="accent4">
+                <a:satMod val="175000"/>
+                <a:alpha val="40000"/>
+              </a:schemeClr>
+            </a:glow>
+          </a:effectLst>
+        </p:spPr>
+        <p:txBody>
+          <a:bodyPr anchor="ctr">
+            <a:normAutofit/>
+          </a:bodyPr>
+          <a:lstStyle/>
+          <a:p>
+            <a:r>
+              <a:rPr lang="en-CA" sz="4800" dirty="0"/>
+              <a:t>COMP1631 Advanced Spreadsheets – Winter 2024 – Section 06</a:t>
+            </a:r>
+          </a:p>
+        </p:txBody>
+      </p:sp>
+      <p:cxnSp>
+        <p:nvCxnSpPr>
+          <p:cNvPr id="29" name="Straight Connector 28">
+            <a:extLst>
+              <a:ext uri="{FF2B5EF4-FFF2-40B4-BE49-F238E27FC236}">
+                <a16:creationId xmlns:a16="http://schemas.microsoft.com/office/drawing/2014/main" id="{6CF1BAF6-AD41-4082-B212-8A1F9A2E8779}"/>
+              </a:ext>
+              <a:ext uri="{C183D7F6-B498-43B3-948B-1728B52AA6E4}">
+                <adec:decorative xmlns:adec="http://schemas.microsoft.com/office/drawing/2017/decorative" val="1"/>
+              </a:ext>
+            </a:extLst>
+          </p:cNvPr>
+          <p:cNvCxnSpPr>
+            <a:cxnSpLocks noGrp="1" noRot="1" noChangeAspect="1" noMove="1" noResize="1" noEditPoints="1" noAdjustHandles="1" noChangeArrowheads="1" noChangeShapeType="1"/>
+          </p:cNvCxnSpPr>
+          <p:nvPr>
+            <p:extLst>
+              <p:ext uri="{386F3935-93C4-4BCD-93E2-E3B085C9AB24}">
+                <p16:designElem xmlns:p16="http://schemas.microsoft.com/office/powerpoint/2015/main" val="1"/>
+              </p:ext>
+            </p:extLst>
+          </p:nvPr>
+        </p:nvCxnSpPr>
+        <p:spPr>
+          <a:xfrm flipH="1">
+            <a:off x="838200" y="6485313"/>
+            <a:ext cx="10515600" cy="0"/>
+          </a:xfrm>
+          <a:prstGeom prst="line">
+            <a:avLst/>
+          </a:prstGeom>
+          <a:ln w="57150">
+            <a:solidFill>
+              <a:schemeClr val="accent4"/>
+            </a:solidFill>
+          </a:ln>
+        </p:spPr>
+        <p:style>
+          <a:lnRef idx="1">
+            <a:schemeClr val="accent1"/>
+          </a:lnRef>
+          <a:fillRef idx="0">
+            <a:schemeClr val="accent1"/>
+          </a:fillRef>
+          <a:effectRef idx="0">
+            <a:schemeClr val="accent1"/>
+          </a:effectRef>
+          <a:fontRef idx="minor">
+            <a:schemeClr val="tx1"/>
+          </a:fontRef>
+        </p:style>
+      </p:cxnSp>
+      <p:graphicFrame>
+        <p:nvGraphicFramePr>
+          <p:cNvPr id="16" name="Content Placeholder 4">
+            <a:extLst>
+              <a:ext uri="{FF2B5EF4-FFF2-40B4-BE49-F238E27FC236}">
+                <a16:creationId xmlns:a16="http://schemas.microsoft.com/office/drawing/2014/main" id="{F4F6A02C-81FD-C98D-153D-0CF8BA3F3923}"/>
+              </a:ext>
+            </a:extLst>
+          </p:cNvPr>
+          <p:cNvGraphicFramePr>
+            <a:graphicFrameLocks noGrp="1"/>
+          </p:cNvGraphicFramePr>
+          <p:nvPr>
+            <p:ph idx="1"/>
+          </p:nvPr>
+        </p:nvGraphicFramePr>
+        <p:xfrm>
+          <a:off x="904602" y="3017519"/>
+          <a:ext cx="10378440" cy="3209902"/>
+        </p:xfrm>
+        <a:graphic>
+          <a:graphicData uri="http://schemas.openxmlformats.org/drawingml/2006/diagram">
+            <dgm:relIds xmlns:dgm="http://schemas.openxmlformats.org/drawingml/2006/diagram" xmlns:r="http://schemas.openxmlformats.org/officeDocument/2006/relationships" r:dm="rId2" r:lo="rId3" r:qs="rId4" r:cs="rId5"/>
+          </a:graphicData>
+        </a:graphic>
+      </p:graphicFrame>
+    </p:spTree>
+    <p:extLst>
+      <p:ext uri="{BB962C8B-B14F-4D97-AF65-F5344CB8AC3E}">
+        <p14:creationId xmlns:p14="http://schemas.microsoft.com/office/powerpoint/2010/main" val="1332570871"/>
+      </p:ext>
+    </p:extLst>
+  </p:cSld>
+  <p:clrMapOvr>
+    <a:masterClrMapping/>
+  </p:clrMapOvr>
+</p:sld>
+</file>
+
 <file path=ppt/theme/theme1.xml><?xml version="1.0" encoding="utf-8"?>
 <a:theme xmlns:a="http://schemas.openxmlformats.org/drawingml/2006/main" name="Office Theme">
   <a:themeElements>
